--- a/발표 자료/REVERSE 발표 초안.pptx
+++ b/발표 자료/REVERSE 발표 초안.pptx
@@ -1,9 +1,12 @@
 
 <file path=ppt/presentation.xml><?xml version="1.0" encoding="utf-8"?>
-<p:presentation xmlns:a="http://schemas.openxmlformats.org/drawingml/2006/main" xmlns:r="http://schemas.openxmlformats.org/officeDocument/2006/relationships" xmlns:p="http://schemas.openxmlformats.org/presentationml/2006/main" embedTrueTypeFonts="1" saveSubsetFonts="1">
+<p:presentation xmlns:a="http://schemas.openxmlformats.org/drawingml/2006/main" xmlns:r="http://schemas.openxmlformats.org/officeDocument/2006/relationships" xmlns:p="http://schemas.openxmlformats.org/presentationml/2006/main">
   <p:sldMasterIdLst>
     <p:sldMasterId id="2147483672" r:id="rId1"/>
   </p:sldMasterIdLst>
+  <p:notesMasterIdLst>
+    <p:notesMasterId r:id="rId12"/>
+  </p:notesMasterIdLst>
   <p:sldIdLst>
     <p:sldId id="256" r:id="rId2"/>
     <p:sldId id="257" r:id="rId3"/>
@@ -18,42 +21,6 @@
   </p:sldIdLst>
   <p:sldSz cx="18288000" cy="10287000"/>
   <p:notesSz cx="6858000" cy="9144000"/>
-  <p:embeddedFontLst>
-    <p:embeddedFont>
-      <p:font typeface="서울남산 장체B" panose="02020603020101020101" pitchFamily="18" charset="-127"/>
-      <p:regular r:id="rId12"/>
-    </p:embeddedFont>
-    <p:embeddedFont>
-      <p:font typeface="Candara" panose="020E0502030303020204" pitchFamily="34" charset="0"/>
-      <p:regular r:id="rId13"/>
-      <p:bold r:id="rId14"/>
-      <p:italic r:id="rId15"/>
-      <p:boldItalic r:id="rId16"/>
-    </p:embeddedFont>
-    <p:embeddedFont>
-      <p:font typeface="Corbel" panose="020B0503020204020204" pitchFamily="34" charset="0"/>
-      <p:regular r:id="rId17"/>
-      <p:bold r:id="rId18"/>
-      <p:italic r:id="rId19"/>
-      <p:boldItalic r:id="rId20"/>
-    </p:embeddedFont>
-    <p:embeddedFont>
-      <p:font typeface="Rockwell" panose="02060603020205020403" pitchFamily="18" charset="0"/>
-      <p:regular r:id="rId21"/>
-      <p:bold r:id="rId22"/>
-      <p:italic r:id="rId23"/>
-      <p:boldItalic r:id="rId24"/>
-    </p:embeddedFont>
-    <p:embeddedFont>
-      <p:font typeface="Segoe UI Black" panose="020B0A02040204020203" pitchFamily="34" charset="0"/>
-      <p:bold r:id="rId25"/>
-      <p:boldItalic r:id="rId26"/>
-    </p:embeddedFont>
-    <p:embeddedFont>
-      <p:font typeface="Wingdings 3" panose="05040102010807070707" pitchFamily="18" charset="2"/>
-      <p:regular r:id="rId27"/>
-    </p:embeddedFont>
-  </p:embeddedFontLst>
   <p:defaultTextStyle>
     <a:defPPr>
       <a:defRPr lang="en-US"/>
@@ -152,7 +119,7 @@
   <p:extLst>
     <p:ext uri="{EFAFB233-063F-42B5-8137-9DF3F51BA10A}">
       <p15:sldGuideLst xmlns:p15="http://schemas.microsoft.com/office/powerpoint/2012/main">
-        <p15:guide id="1" orient="horz" pos="2160">
+        <p15:guide id="1" orient="horz" pos="2159">
           <p15:clr>
             <a:srgbClr val="A4A3A4"/>
           </p15:clr>
@@ -166,6 +133,462 @@
     </p:ext>
   </p:extLst>
 </p:presentation>
+</file>
+
+<file path=ppt/notesMasters/notesMaster1.xml><?xml version="1.0" encoding="utf-8"?>
+<p:notesMaster xmlns:a="http://schemas.openxmlformats.org/drawingml/2006/main" xmlns:r="http://schemas.openxmlformats.org/officeDocument/2006/relationships" xmlns:p="http://schemas.openxmlformats.org/presentationml/2006/main">
+  <p:cSld>
+    <p:bg>
+      <p:bgRef idx="1001">
+        <a:schemeClr val="bg1"/>
+      </p:bgRef>
+    </p:bg>
+    <p:spTree>
+      <p:nvGrpSpPr>
+        <p:cNvPr id="1" name=""/>
+        <p:cNvGrpSpPr/>
+        <p:nvPr/>
+      </p:nvGrpSpPr>
+      <p:grpSpPr>
+        <a:xfrm>
+          <a:off x="0" y="0"/>
+          <a:ext cx="0" cy="0"/>
+          <a:chOff x="0" y="0"/>
+          <a:chExt cx="0" cy="0"/>
+        </a:xfrm>
+      </p:grpSpPr>
+      <p:sp>
+        <p:nvSpPr>
+          <p:cNvPr id="2" name="머리말 개체 틀 1"/>
+          <p:cNvSpPr>
+            <a:spLocks noGrp="1"/>
+          </p:cNvSpPr>
+          <p:nvPr>
+            <p:ph type="hdr" sz="quarter"/>
+          </p:nvPr>
+        </p:nvSpPr>
+        <p:spPr>
+          <a:xfrm>
+            <a:off x="0" y="0"/>
+            <a:ext cx="2971800" cy="457200"/>
+          </a:xfrm>
+          <a:prstGeom prst="rect">
+            <a:avLst/>
+          </a:prstGeom>
+        </p:spPr>
+        <p:txBody>
+          <a:bodyPr vert="horz" lIns="91440" tIns="45720" rIns="91440" bIns="45720" rtlCol="0"/>
+          <a:lstStyle>
+            <a:lvl1pPr algn="l">
+              <a:defRPr sz="1200"/>
+            </a:lvl1pPr>
+          </a:lstStyle>
+          <a:p>
+            <a:pPr lvl="0"/>
+            <a:endParaRPr lang="ko-KR" altLang="en-US"/>
+          </a:p>
+        </p:txBody>
+      </p:sp>
+      <p:sp>
+        <p:nvSpPr>
+          <p:cNvPr id="3" name="날짜 개체 틀 2"/>
+          <p:cNvSpPr>
+            <a:spLocks noGrp="1"/>
+          </p:cNvSpPr>
+          <p:nvPr>
+            <p:ph type="dt" idx="1"/>
+          </p:nvPr>
+        </p:nvSpPr>
+        <p:spPr>
+          <a:xfrm>
+            <a:off x="3884613" y="0"/>
+            <a:ext cx="2971800" cy="457200"/>
+          </a:xfrm>
+          <a:prstGeom prst="rect">
+            <a:avLst/>
+          </a:prstGeom>
+        </p:spPr>
+        <p:txBody>
+          <a:bodyPr vert="horz" lIns="91440" tIns="45720" rIns="91440" bIns="45720" rtlCol="0"/>
+          <a:lstStyle>
+            <a:lvl1pPr algn="r">
+              <a:defRPr sz="1200"/>
+            </a:lvl1pPr>
+          </a:lstStyle>
+          <a:p>
+            <a:pPr lvl="0"/>
+            <a:fld id="{E2B2BC9D-A816-4D0A-858B-1D023B3A8ACA}" type="datetime1">
+              <a:rPr lang="ko-KR" altLang="en-US" smtClean="0"/>
+              <a:pPr lvl="0"/>
+              <a:t>2024-11-21</a:t>
+            </a:fld>
+            <a:endParaRPr lang="ko-KR" altLang="en-US"/>
+          </a:p>
+        </p:txBody>
+      </p:sp>
+      <p:sp>
+        <p:nvSpPr>
+          <p:cNvPr id="4" name="슬라이드 이미지 개체 틀 3"/>
+          <p:cNvSpPr>
+            <a:spLocks noGrp="1" noRot="1" noChangeAspect="1" noTextEdit="1"/>
+          </p:cNvSpPr>
+          <p:nvPr>
+            <p:ph type="sldImg" idx="2"/>
+          </p:nvPr>
+        </p:nvSpPr>
+        <p:spPr>
+          <a:xfrm>
+            <a:off x="381000" y="685800"/>
+            <a:ext cx="6096000" cy="3429000"/>
+          </a:xfrm>
+          <a:prstGeom prst="rect">
+            <a:avLst/>
+          </a:prstGeom>
+          <a:noFill/>
+          <a:ln w="12700">
+            <a:solidFill>
+              <a:prstClr val="black"/>
+            </a:solidFill>
+          </a:ln>
+        </p:spPr>
+        <p:txBody>
+          <a:bodyPr vert="horz" lIns="91440" tIns="45720" rIns="91440" bIns="45720" rtlCol="0" anchor="ctr"/>
+          <a:lstStyle/>
+          <a:p>
+            <a:pPr lvl="0"/>
+            <a:endParaRPr lang="ko-KR" altLang="en-US"/>
+          </a:p>
+        </p:txBody>
+      </p:sp>
+      <p:sp>
+        <p:nvSpPr>
+          <p:cNvPr id="5" name="슬라이드 노트 개체 틀 4"/>
+          <p:cNvSpPr>
+            <a:spLocks noGrp="1"/>
+          </p:cNvSpPr>
+          <p:nvPr>
+            <p:ph type="body" sz="quarter" idx="3"/>
+          </p:nvPr>
+        </p:nvSpPr>
+        <p:spPr>
+          <a:xfrm>
+            <a:off x="685800" y="4343400"/>
+            <a:ext cx="5486400" cy="4114800"/>
+          </a:xfrm>
+          <a:prstGeom prst="rect">
+            <a:avLst/>
+          </a:prstGeom>
+        </p:spPr>
+        <p:txBody>
+          <a:bodyPr vert="horz" lIns="91440" tIns="45720" rIns="91440" bIns="45720" rtlCol="0">
+            <a:noAutofit/>
+          </a:bodyPr>
+          <a:lstStyle/>
+          <a:p>
+            <a:pPr lvl="0"/>
+            <a:r>
+              <a:rPr lang="ko-KR" altLang="en-US" dirty="0"/>
+              <a:t>마스터 텍스트 스타일을 편집합니다</a:t>
+            </a:r>
+          </a:p>
+          <a:p>
+            <a:pPr lvl="1"/>
+            <a:r>
+              <a:rPr lang="ko-KR" altLang="en-US" dirty="0"/>
+              <a:t>둘째 수준</a:t>
+            </a:r>
+          </a:p>
+          <a:p>
+            <a:pPr lvl="2"/>
+            <a:r>
+              <a:rPr lang="ko-KR" altLang="en-US" dirty="0"/>
+              <a:t>셋째 수준</a:t>
+            </a:r>
+          </a:p>
+          <a:p>
+            <a:pPr lvl="3"/>
+            <a:r>
+              <a:rPr lang="ko-KR" altLang="en-US" dirty="0"/>
+              <a:t>넷째 수준</a:t>
+            </a:r>
+          </a:p>
+          <a:p>
+            <a:pPr lvl="4"/>
+            <a:r>
+              <a:rPr lang="ko-KR" altLang="en-US" dirty="0"/>
+              <a:t>다섯째 수준</a:t>
+            </a:r>
+            <a:endParaRPr lang="ko-KR" altLang="en-US"/>
+          </a:p>
+        </p:txBody>
+      </p:sp>
+      <p:sp>
+        <p:nvSpPr>
+          <p:cNvPr id="6" name="바닥글 개체 틀 5"/>
+          <p:cNvSpPr>
+            <a:spLocks noGrp="1"/>
+          </p:cNvSpPr>
+          <p:nvPr>
+            <p:ph type="ftr" sz="quarter" idx="4"/>
+          </p:nvPr>
+        </p:nvSpPr>
+        <p:spPr>
+          <a:xfrm>
+            <a:off x="0" y="8685213"/>
+            <a:ext cx="2971800" cy="457200"/>
+          </a:xfrm>
+          <a:prstGeom prst="rect">
+            <a:avLst/>
+          </a:prstGeom>
+        </p:spPr>
+        <p:txBody>
+          <a:bodyPr vert="horz" lIns="91440" tIns="45720" rIns="91440" bIns="45720" rtlCol="0" anchor="b"/>
+          <a:lstStyle>
+            <a:lvl1pPr algn="l">
+              <a:defRPr sz="1200"/>
+            </a:lvl1pPr>
+          </a:lstStyle>
+          <a:p>
+            <a:pPr lvl="0"/>
+            <a:endParaRPr lang="ko-KR" altLang="en-US"/>
+          </a:p>
+        </p:txBody>
+      </p:sp>
+      <p:sp>
+        <p:nvSpPr>
+          <p:cNvPr id="7" name="슬라이드 번호 개체 틀 6"/>
+          <p:cNvSpPr>
+            <a:spLocks noGrp="1"/>
+          </p:cNvSpPr>
+          <p:nvPr>
+            <p:ph type="sldNum" sz="quarter" idx="5"/>
+          </p:nvPr>
+        </p:nvSpPr>
+        <p:spPr>
+          <a:xfrm>
+            <a:off x="3884613" y="8685213"/>
+            <a:ext cx="2971800" cy="457200"/>
+          </a:xfrm>
+          <a:prstGeom prst="rect">
+            <a:avLst/>
+          </a:prstGeom>
+        </p:spPr>
+        <p:txBody>
+          <a:bodyPr vert="horz" lIns="91440" tIns="45720" rIns="91440" bIns="45720" rtlCol="0" anchor="b"/>
+          <a:lstStyle>
+            <a:lvl1pPr algn="r">
+              <a:defRPr sz="1200"/>
+            </a:lvl1pPr>
+          </a:lstStyle>
+          <a:p>
+            <a:pPr lvl="0"/>
+            <a:fld id="{09F4262C-968C-4EE9-8164-CE16364706B3}" type="slidenum">
+              <a:rPr lang="ko-KR" altLang="en-US" smtClean="0"/>
+              <a:pPr/>
+              <a:t>‹#›</a:t>
+            </a:fld>
+            <a:endParaRPr lang="ko-KR" altLang="en-US"/>
+          </a:p>
+        </p:txBody>
+      </p:sp>
+    </p:spTree>
+    <p:extLst>
+      <p:ext uri="{BB962C8B-B14F-4D97-AF65-F5344CB8AC3E}">
+        <p14:creationId xmlns:p14="http://schemas.microsoft.com/office/powerpoint/2010/main" val="728627338"/>
+      </p:ext>
+    </p:extLst>
+  </p:cSld>
+  <p:clrMap bg1="lt1" tx1="dk1" bg2="lt2" tx2="dk2" accent1="accent1" accent2="accent2" accent3="accent3" accent4="accent4" accent5="accent5" accent6="accent6" hlink="hlink" folHlink="folHlink"/>
+  <p:hf hdr="0" ftr="0" dt="0"/>
+  <p:notesStyle>
+    <a:lvl1pPr marL="0" algn="l" defTabSz="914400" rtl="0" eaLnBrk="1" latinLnBrk="1" hangingPunct="1">
+      <a:defRPr sz="1200" kern="1200">
+        <a:solidFill>
+          <a:schemeClr val="tx1"/>
+        </a:solidFill>
+        <a:latin typeface="+mj-lt"/>
+        <a:ea typeface="+mj-ea"/>
+        <a:cs typeface="+mj-cs"/>
+      </a:defRPr>
+    </a:lvl1pPr>
+    <a:lvl2pPr marL="457200" algn="l" defTabSz="914400" rtl="0" eaLnBrk="1" latinLnBrk="1" hangingPunct="1">
+      <a:defRPr sz="1200" kern="1200">
+        <a:solidFill>
+          <a:schemeClr val="tx1"/>
+        </a:solidFill>
+        <a:latin typeface="+mj-lt"/>
+        <a:ea typeface="+mj-ea"/>
+        <a:cs typeface="+mj-cs"/>
+      </a:defRPr>
+    </a:lvl2pPr>
+    <a:lvl3pPr marL="914400" algn="l" defTabSz="914400" rtl="0" eaLnBrk="1" latinLnBrk="1" hangingPunct="1">
+      <a:defRPr sz="1200" kern="1200">
+        <a:solidFill>
+          <a:schemeClr val="tx1"/>
+        </a:solidFill>
+        <a:latin typeface="+mj-lt"/>
+        <a:ea typeface="+mj-ea"/>
+        <a:cs typeface="+mj-cs"/>
+      </a:defRPr>
+    </a:lvl3pPr>
+    <a:lvl4pPr marL="1371600" algn="l" defTabSz="914400" rtl="0" eaLnBrk="1" latinLnBrk="1" hangingPunct="1">
+      <a:defRPr sz="1200" kern="1200">
+        <a:solidFill>
+          <a:schemeClr val="tx1"/>
+        </a:solidFill>
+        <a:latin typeface="+mj-lt"/>
+        <a:ea typeface="+mj-ea"/>
+        <a:cs typeface="+mj-cs"/>
+      </a:defRPr>
+    </a:lvl4pPr>
+    <a:lvl5pPr marL="1828800" algn="l" defTabSz="914400" rtl="0" eaLnBrk="1" latinLnBrk="1" hangingPunct="1">
+      <a:defRPr sz="1200" kern="1200">
+        <a:solidFill>
+          <a:schemeClr val="tx1"/>
+        </a:solidFill>
+        <a:latin typeface="+mj-lt"/>
+        <a:ea typeface="+mj-ea"/>
+        <a:cs typeface="+mj-cs"/>
+      </a:defRPr>
+    </a:lvl5pPr>
+    <a:lvl6pPr marL="2286000" algn="l" defTabSz="914400" rtl="0" eaLnBrk="1" latinLnBrk="1" hangingPunct="1">
+      <a:defRPr sz="1200" kern="1200">
+        <a:solidFill>
+          <a:schemeClr val="tx1"/>
+        </a:solidFill>
+        <a:latin typeface="+mj-lt"/>
+        <a:ea typeface="+mj-ea"/>
+        <a:cs typeface="+mj-cs"/>
+      </a:defRPr>
+    </a:lvl6pPr>
+    <a:lvl7pPr marL="2743200" algn="l" defTabSz="914400" rtl="0" eaLnBrk="1" latinLnBrk="1" hangingPunct="1">
+      <a:defRPr sz="1200" kern="1200">
+        <a:solidFill>
+          <a:schemeClr val="tx1"/>
+        </a:solidFill>
+        <a:latin typeface="+mj-lt"/>
+        <a:ea typeface="+mj-ea"/>
+        <a:cs typeface="+mj-cs"/>
+      </a:defRPr>
+    </a:lvl7pPr>
+    <a:lvl8pPr marL="3200400" algn="l" defTabSz="914400" rtl="0" eaLnBrk="1" latinLnBrk="1" hangingPunct="1">
+      <a:defRPr sz="1200" kern="1200">
+        <a:solidFill>
+          <a:schemeClr val="tx1"/>
+        </a:solidFill>
+        <a:latin typeface="+mj-lt"/>
+        <a:ea typeface="+mj-ea"/>
+        <a:cs typeface="+mj-cs"/>
+      </a:defRPr>
+    </a:lvl8pPr>
+    <a:lvl9pPr marL="3657600" algn="l" defTabSz="914400" rtl="0" eaLnBrk="1" latinLnBrk="1" hangingPunct="1">
+      <a:defRPr sz="1200" kern="1200">
+        <a:solidFill>
+          <a:schemeClr val="tx1"/>
+        </a:solidFill>
+        <a:latin typeface="+mj-lt"/>
+        <a:ea typeface="+mj-ea"/>
+        <a:cs typeface="+mj-cs"/>
+      </a:defRPr>
+    </a:lvl9pPr>
+  </p:notesStyle>
+</p:notesMaster>
+</file>
+
+<file path=ppt/notesSlides/notesSlide1.xml><?xml version="1.0" encoding="utf-8"?>
+<p:notes xmlns:a="http://schemas.openxmlformats.org/drawingml/2006/main" xmlns:r="http://schemas.openxmlformats.org/officeDocument/2006/relationships" xmlns:p="http://schemas.openxmlformats.org/presentationml/2006/main">
+  <p:cSld>
+    <p:spTree>
+      <p:nvGrpSpPr>
+        <p:cNvPr id="1" name=""/>
+        <p:cNvGrpSpPr/>
+        <p:nvPr/>
+      </p:nvGrpSpPr>
+      <p:grpSpPr>
+        <a:xfrm>
+          <a:off x="0" y="0"/>
+          <a:ext cx="0" cy="0"/>
+          <a:chOff x="0" y="0"/>
+          <a:chExt cx="0" cy="0"/>
+        </a:xfrm>
+      </p:grpSpPr>
+      <p:sp>
+        <p:nvSpPr>
+          <p:cNvPr id="2" name="슬라이드 이미지 개체 틀 3"/>
+          <p:cNvSpPr>
+            <a:spLocks noGrp="1" noRot="1" noChangeAspect="1" noTextEdit="1"/>
+          </p:cNvSpPr>
+          <p:nvPr>
+            <p:ph type="sldImg" idx="2"/>
+          </p:nvPr>
+        </p:nvSpPr>
+        <p:spPr/>
+        <p:txBody>
+          <a:bodyPr/>
+          <a:lstStyle/>
+          <a:p>
+            <a:endParaRPr lang="ko-KR" altLang="en-US"/>
+          </a:p>
+        </p:txBody>
+      </p:sp>
+      <p:sp>
+        <p:nvSpPr>
+          <p:cNvPr id="3" name="슬라이드 노트 개체 틀 4"/>
+          <p:cNvSpPr>
+            <a:spLocks noGrp="1"/>
+          </p:cNvSpPr>
+          <p:nvPr>
+            <p:ph type="body" sz="quarter" idx="3"/>
+          </p:nvPr>
+        </p:nvSpPr>
+        <p:spPr/>
+        <p:txBody>
+          <a:bodyPr/>
+          <a:lstStyle/>
+          <a:p>
+            <a:pPr lvl="0">
+              <a:defRPr/>
+            </a:pPr>
+            <a:endParaRPr lang="ko-KR" altLang="en-US"/>
+          </a:p>
+        </p:txBody>
+      </p:sp>
+      <p:sp>
+        <p:nvSpPr>
+          <p:cNvPr id="4" name="슬라이드 번호 개체 틀 6"/>
+          <p:cNvSpPr>
+            <a:spLocks noGrp="1"/>
+          </p:cNvSpPr>
+          <p:nvPr>
+            <p:ph type="sldNum" sz="quarter" idx="5"/>
+          </p:nvPr>
+        </p:nvSpPr>
+        <p:spPr/>
+        <p:txBody>
+          <a:bodyPr/>
+          <a:lstStyle/>
+          <a:p>
+            <a:pPr lvl="0"/>
+            <a:fld id="{09F4262C-968C-4EE9-8164-CE16364706B3}" type="slidenum">
+              <a:rPr lang="ko-KR" altLang="en-US" smtClean="0"/>
+              <a:pPr/>
+              <a:t>4</a:t>
+            </a:fld>
+            <a:endParaRPr lang="ko-KR" altLang="en-US"/>
+          </a:p>
+        </p:txBody>
+      </p:sp>
+    </p:spTree>
+    <p:extLst>
+      <p:ext uri="{BB962C8B-B14F-4D97-AF65-F5344CB8AC3E}">
+        <p14:creationId xmlns:p14="http://schemas.microsoft.com/office/powerpoint/2010/main" val="206280621"/>
+      </p:ext>
+    </p:extLst>
+  </p:cSld>
+  <p:clrMapOvr>
+    <a:masterClrMapping/>
+  </p:clrMapOvr>
+</p:notes>
 </file>
 
 <file path=ppt/slideLayouts/slideLayout1.xml><?xml version="1.0" encoding="utf-8"?>
@@ -924,7 +1347,7 @@
             <a:fld id="{1D8BD707-D9CF-40AE-B4C6-C98DA3205C09}" type="datetimeFigureOut">
               <a:rPr lang="en-US" smtClean="0"/>
               <a:pPr/>
-              <a:t>11/19/2024</a:t>
+              <a:t>11/21/2024</a:t>
             </a:fld>
             <a:endParaRPr lang="en-US"/>
           </a:p>
@@ -1362,7 +1785,7 @@
             <a:fld id="{1D8BD707-D9CF-40AE-B4C6-C98DA3205C09}" type="datetimeFigureOut">
               <a:rPr lang="en-US" smtClean="0"/>
               <a:pPr/>
-              <a:t>11/19/2024</a:t>
+              <a:t>11/21/2024</a:t>
             </a:fld>
             <a:endParaRPr lang="en-US"/>
           </a:p>
@@ -2415,7 +2838,7 @@
             <a:fld id="{1D8BD707-D9CF-40AE-B4C6-C98DA3205C09}" type="datetimeFigureOut">
               <a:rPr lang="en-US" smtClean="0"/>
               <a:pPr/>
-              <a:t>11/19/2024</a:t>
+              <a:t>11/21/2024</a:t>
             </a:fld>
             <a:endParaRPr lang="en-US"/>
           </a:p>
@@ -2607,7 +3030,7 @@
             <a:fld id="{1D8BD707-D9CF-40AE-B4C6-C98DA3205C09}" type="datetimeFigureOut">
               <a:rPr lang="en-US" smtClean="0"/>
               <a:pPr/>
-              <a:t>11/19/2024</a:t>
+              <a:t>11/21/2024</a:t>
             </a:fld>
             <a:endParaRPr lang="en-US"/>
           </a:p>
@@ -3131,7 +3554,7 @@
             <a:fld id="{1D8BD707-D9CF-40AE-B4C6-C98DA3205C09}" type="datetimeFigureOut">
               <a:rPr lang="en-US" smtClean="0"/>
               <a:pPr/>
-              <a:t>11/19/2024</a:t>
+              <a:t>11/21/2024</a:t>
             </a:fld>
             <a:endParaRPr lang="en-US"/>
           </a:p>
@@ -3570,7 +3993,7 @@
             <a:fld id="{1D8BD707-D9CF-40AE-B4C6-C98DA3205C09}" type="datetimeFigureOut">
               <a:rPr lang="en-US" smtClean="0"/>
               <a:pPr/>
-              <a:t>11/19/2024</a:t>
+              <a:t>11/21/2024</a:t>
             </a:fld>
             <a:endParaRPr lang="en-US"/>
           </a:p>
@@ -4266,7 +4689,7 @@
             <a:fld id="{1D8BD707-D9CF-40AE-B4C6-C98DA3205C09}" type="datetimeFigureOut">
               <a:rPr lang="en-US" smtClean="0"/>
               <a:pPr/>
-              <a:t>11/19/2024</a:t>
+              <a:t>11/21/2024</a:t>
             </a:fld>
             <a:endParaRPr lang="en-US"/>
           </a:p>
@@ -4607,7 +5030,7 @@
             <a:fld id="{1D8BD707-D9CF-40AE-B4C6-C98DA3205C09}" type="datetimeFigureOut">
               <a:rPr lang="en-US" smtClean="0"/>
               <a:pPr/>
-              <a:t>11/19/2024</a:t>
+              <a:t>11/21/2024</a:t>
             </a:fld>
             <a:endParaRPr lang="en-US"/>
           </a:p>
@@ -4888,7 +5311,7 @@
             <a:fld id="{1D8BD707-D9CF-40AE-B4C6-C98DA3205C09}" type="datetimeFigureOut">
               <a:rPr lang="en-US" smtClean="0"/>
               <a:pPr/>
-              <a:t>11/19/2024</a:t>
+              <a:t>11/21/2024</a:t>
             </a:fld>
             <a:endParaRPr lang="en-US"/>
           </a:p>
@@ -5542,7 +5965,7 @@
             <a:fld id="{1D8BD707-D9CF-40AE-B4C6-C98DA3205C09}" type="datetimeFigureOut">
               <a:rPr lang="en-US" smtClean="0"/>
               <a:pPr/>
-              <a:t>11/19/2024</a:t>
+              <a:t>11/21/2024</a:t>
             </a:fld>
             <a:endParaRPr lang="en-US"/>
           </a:p>
@@ -5969,7 +6392,7 @@
             <a:fld id="{1D8BD707-D9CF-40AE-B4C6-C98DA3205C09}" type="datetimeFigureOut">
               <a:rPr lang="en-US" smtClean="0"/>
               <a:pPr/>
-              <a:t>11/19/2024</a:t>
+              <a:t>11/21/2024</a:t>
             </a:fld>
             <a:endParaRPr lang="en-US"/>
           </a:p>
@@ -10265,7 +10688,7 @@
             <a:fld id="{1D8BD707-D9CF-40AE-B4C6-C98DA3205C09}" type="datetimeFigureOut">
               <a:rPr lang="en-US" smtClean="0"/>
               <a:pPr/>
-              <a:t>11/19/2024</a:t>
+              <a:t>11/21/2024</a:t>
             </a:fld>
             <a:endParaRPr lang="en-US"/>
           </a:p>
@@ -12100,15 +12523,15 @@
         </p:nvSpPr>
         <p:spPr>
           <a:xfrm>
-            <a:off x="514350" y="4244641"/>
-            <a:ext cx="8652151" cy="3411190"/>
+            <a:off x="491849" y="2646709"/>
+            <a:ext cx="8652151" cy="477490"/>
           </a:xfrm>
           <a:prstGeom prst="rect">
             <a:avLst/>
           </a:prstGeom>
         </p:spPr>
         <p:txBody>
-          <a:bodyPr lIns="0" tIns="0" rIns="0" bIns="0" rtlCol="0" anchor="t">
+          <a:bodyPr lIns="0" tIns="0" rIns="0" bIns="0" anchor="t">
             <a:spAutoFit/>
           </a:bodyPr>
           <a:lstStyle/>
@@ -12120,118 +12543,9 @@
               <a:spcBef>
                 <a:spcPct val="0"/>
               </a:spcBef>
+              <a:defRPr/>
             </a:pPr>
-            <a:r>
-              <a:rPr lang="en-US" sz="3444" u="none" strike="noStrike" spc="-68" dirty="0">
-                <a:solidFill>
-                  <a:srgbClr val="000000"/>
-                </a:solidFill>
-                <a:latin typeface="+mn-ea"/>
-                <a:cs typeface="Canva Sans"/>
-                <a:sym typeface="Canva Sans"/>
-              </a:rPr>
-              <a:t>select </a:t>
-            </a:r>
-            <a:r>
-              <a:rPr lang="en-US" sz="3444" u="none" strike="noStrike" spc="-68" dirty="0" err="1">
-                <a:solidFill>
-                  <a:srgbClr val="000000"/>
-                </a:solidFill>
-                <a:latin typeface="+mn-ea"/>
-                <a:cs typeface="Canva Sans"/>
-                <a:sym typeface="Canva Sans"/>
-              </a:rPr>
-              <a:t>학생.학번</a:t>
-            </a:r>
-            <a:r>
-              <a:rPr lang="en-US" sz="3444" u="none" strike="noStrike" spc="-68" dirty="0">
-                <a:solidFill>
-                  <a:srgbClr val="000000"/>
-                </a:solidFill>
-                <a:latin typeface="+mn-ea"/>
-                <a:cs typeface="Canva Sans"/>
-                <a:sym typeface="Canva Sans"/>
-              </a:rPr>
-              <a:t>, </a:t>
-            </a:r>
-            <a:r>
-              <a:rPr lang="en-US" sz="3444" u="none" strike="noStrike" spc="-68" dirty="0" err="1">
-                <a:solidFill>
-                  <a:srgbClr val="000000"/>
-                </a:solidFill>
-                <a:latin typeface="+mn-ea"/>
-                <a:cs typeface="Canva Sans"/>
-                <a:sym typeface="Canva Sans"/>
-              </a:rPr>
-              <a:t>과목명</a:t>
-            </a:r>
-            <a:r>
-              <a:rPr lang="en-US" sz="3444" u="none" strike="noStrike" spc="-68" dirty="0">
-                <a:solidFill>
-                  <a:srgbClr val="000000"/>
-                </a:solidFill>
-                <a:latin typeface="+mn-ea"/>
-                <a:cs typeface="Canva Sans"/>
-                <a:sym typeface="Canva Sans"/>
-              </a:rPr>
-              <a:t>, </a:t>
-            </a:r>
-            <a:r>
-              <a:rPr lang="en-US" sz="3444" u="none" strike="noStrike" spc="-68" dirty="0" err="1">
-                <a:solidFill>
-                  <a:srgbClr val="000000"/>
-                </a:solidFill>
-                <a:latin typeface="+mn-ea"/>
-                <a:cs typeface="Canva Sans"/>
-                <a:sym typeface="Canva Sans"/>
-              </a:rPr>
-              <a:t>과목.과목코드</a:t>
-            </a:r>
-            <a:r>
-              <a:rPr lang="en-US" sz="3444" u="none" strike="noStrike" spc="-68" dirty="0">
-                <a:solidFill>
-                  <a:srgbClr val="000000"/>
-                </a:solidFill>
-                <a:latin typeface="+mn-ea"/>
-                <a:cs typeface="Canva Sans"/>
-                <a:sym typeface="Canva Sans"/>
-              </a:rPr>
-              <a:t>, </a:t>
-            </a:r>
-            <a:r>
-              <a:rPr lang="en-US" sz="3444" u="none" strike="noStrike" spc="-68" dirty="0" err="1">
-                <a:solidFill>
-                  <a:srgbClr val="000000"/>
-                </a:solidFill>
-                <a:latin typeface="+mn-ea"/>
-                <a:cs typeface="Canva Sans"/>
-                <a:sym typeface="Canva Sans"/>
-              </a:rPr>
-              <a:t>이수구분</a:t>
-            </a:r>
-            <a:r>
-              <a:rPr lang="en-US" sz="3444" u="none" strike="noStrike" spc="-68" dirty="0">
-                <a:solidFill>
-                  <a:srgbClr val="000000"/>
-                </a:solidFill>
-                <a:latin typeface="+mn-ea"/>
-                <a:cs typeface="Canva Sans"/>
-                <a:sym typeface="Canva Sans"/>
-              </a:rPr>
-              <a:t>, </a:t>
-            </a:r>
-            <a:r>
-              <a:rPr lang="en-US" sz="3444" u="none" strike="noStrike" spc="-68" dirty="0" err="1">
-                <a:solidFill>
-                  <a:srgbClr val="000000"/>
-                </a:solidFill>
-                <a:latin typeface="+mn-ea"/>
-                <a:cs typeface="Canva Sans"/>
-                <a:sym typeface="Canva Sans"/>
-              </a:rPr>
-              <a:t>성적</a:t>
-            </a:r>
-            <a:endParaRPr lang="en-US" sz="3444" u="none" strike="noStrike" spc="-68" dirty="0">
+            <a:endParaRPr lang="en-US" sz="3443" u="none" strike="noStrike" spc="-68">
               <a:solidFill>
                 <a:srgbClr val="000000"/>
               </a:solidFill>
@@ -12239,312 +12553,6 @@
               <a:cs typeface="Canva Sans"/>
               <a:sym typeface="Canva Sans"/>
             </a:endParaRPr>
-          </a:p>
-          <a:p>
-            <a:pPr marL="0" lvl="0" indent="0" algn="l">
-              <a:lnSpc>
-                <a:spcPts val="3788"/>
-              </a:lnSpc>
-              <a:spcBef>
-                <a:spcPct val="0"/>
-              </a:spcBef>
-            </a:pPr>
-            <a:r>
-              <a:rPr lang="en-US" sz="3444" u="none" strike="noStrike" spc="-68" dirty="0">
-                <a:solidFill>
-                  <a:srgbClr val="000000"/>
-                </a:solidFill>
-                <a:latin typeface="+mn-ea"/>
-                <a:cs typeface="Canva Sans"/>
-                <a:sym typeface="Canva Sans"/>
-              </a:rPr>
-              <a:t>from </a:t>
-            </a:r>
-            <a:r>
-              <a:rPr lang="en-US" sz="3444" u="none" strike="noStrike" spc="-68" dirty="0" err="1">
-                <a:solidFill>
-                  <a:srgbClr val="000000"/>
-                </a:solidFill>
-                <a:latin typeface="+mn-ea"/>
-                <a:cs typeface="Canva Sans"/>
-                <a:sym typeface="Canva Sans"/>
-              </a:rPr>
-              <a:t>성적</a:t>
-            </a:r>
-            <a:r>
-              <a:rPr lang="en-US" sz="3444" u="none" strike="noStrike" spc="-68" dirty="0">
-                <a:solidFill>
-                  <a:srgbClr val="000000"/>
-                </a:solidFill>
-                <a:latin typeface="+mn-ea"/>
-                <a:cs typeface="Canva Sans"/>
-                <a:sym typeface="Canva Sans"/>
-              </a:rPr>
-              <a:t>, </a:t>
-            </a:r>
-            <a:r>
-              <a:rPr lang="en-US" sz="3444" u="none" strike="noStrike" spc="-68" dirty="0" err="1">
-                <a:solidFill>
-                  <a:srgbClr val="000000"/>
-                </a:solidFill>
-                <a:latin typeface="+mn-ea"/>
-                <a:cs typeface="Canva Sans"/>
-                <a:sym typeface="Canva Sans"/>
-              </a:rPr>
-              <a:t>과목</a:t>
-            </a:r>
-            <a:r>
-              <a:rPr lang="en-US" sz="3444" u="none" strike="noStrike" spc="-68" dirty="0">
-                <a:solidFill>
-                  <a:srgbClr val="000000"/>
-                </a:solidFill>
-                <a:latin typeface="+mn-ea"/>
-                <a:cs typeface="Canva Sans"/>
-                <a:sym typeface="Canva Sans"/>
-              </a:rPr>
-              <a:t>, </a:t>
-            </a:r>
-            <a:r>
-              <a:rPr lang="en-US" sz="3444" u="none" strike="noStrike" spc="-68" dirty="0" err="1">
-                <a:solidFill>
-                  <a:srgbClr val="000000"/>
-                </a:solidFill>
-                <a:latin typeface="+mn-ea"/>
-                <a:cs typeface="Canva Sans"/>
-                <a:sym typeface="Canva Sans"/>
-              </a:rPr>
-              <a:t>학생</a:t>
-            </a:r>
-            <a:endParaRPr lang="en-US" sz="3444" u="none" strike="noStrike" spc="-68" dirty="0">
-              <a:solidFill>
-                <a:srgbClr val="000000"/>
-              </a:solidFill>
-              <a:latin typeface="+mn-ea"/>
-              <a:cs typeface="Canva Sans"/>
-              <a:sym typeface="Canva Sans"/>
-            </a:endParaRPr>
-          </a:p>
-          <a:p>
-            <a:pPr marL="0" lvl="0" indent="0" algn="l">
-              <a:lnSpc>
-                <a:spcPts val="3788"/>
-              </a:lnSpc>
-              <a:spcBef>
-                <a:spcPct val="0"/>
-              </a:spcBef>
-            </a:pPr>
-            <a:r>
-              <a:rPr lang="en-US" sz="3444" u="none" strike="noStrike" spc="-68" dirty="0">
-                <a:solidFill>
-                  <a:srgbClr val="000000"/>
-                </a:solidFill>
-                <a:latin typeface="+mn-ea"/>
-                <a:cs typeface="Canva Sans"/>
-                <a:sym typeface="Canva Sans"/>
-              </a:rPr>
-              <a:t>where </a:t>
-            </a:r>
-            <a:r>
-              <a:rPr lang="en-US" sz="3444" u="none" strike="noStrike" spc="-68" dirty="0" err="1">
-                <a:solidFill>
-                  <a:srgbClr val="000000"/>
-                </a:solidFill>
-                <a:latin typeface="+mn-ea"/>
-                <a:cs typeface="Canva Sans"/>
-                <a:sym typeface="Canva Sans"/>
-              </a:rPr>
-              <a:t>학생.학번</a:t>
-            </a:r>
-            <a:r>
-              <a:rPr lang="en-US" sz="3444" u="none" strike="noStrike" spc="-68" dirty="0">
-                <a:solidFill>
-                  <a:srgbClr val="000000"/>
-                </a:solidFill>
-                <a:latin typeface="+mn-ea"/>
-                <a:cs typeface="Canva Sans"/>
-                <a:sym typeface="Canva Sans"/>
-              </a:rPr>
-              <a:t> = ‘21101862’ #본인 </a:t>
-            </a:r>
-            <a:r>
-              <a:rPr lang="en-US" sz="3444" u="none" strike="noStrike" spc="-68" dirty="0" err="1">
-                <a:solidFill>
-                  <a:srgbClr val="000000"/>
-                </a:solidFill>
-                <a:latin typeface="+mn-ea"/>
-                <a:cs typeface="Canva Sans"/>
-                <a:sym typeface="Canva Sans"/>
-              </a:rPr>
-              <a:t>학점</a:t>
-            </a:r>
-            <a:r>
-              <a:rPr lang="en-US" sz="3444" u="none" strike="noStrike" spc="-68" dirty="0">
-                <a:solidFill>
-                  <a:srgbClr val="000000"/>
-                </a:solidFill>
-                <a:latin typeface="+mn-ea"/>
-                <a:cs typeface="Canva Sans"/>
-                <a:sym typeface="Canva Sans"/>
-              </a:rPr>
-              <a:t> </a:t>
-            </a:r>
-            <a:r>
-              <a:rPr lang="en-US" sz="3444" u="none" strike="noStrike" spc="-68" dirty="0" err="1">
-                <a:solidFill>
-                  <a:srgbClr val="000000"/>
-                </a:solidFill>
-                <a:latin typeface="+mn-ea"/>
-                <a:cs typeface="Canva Sans"/>
-                <a:sym typeface="Canva Sans"/>
-              </a:rPr>
-              <a:t>넣기</a:t>
-            </a:r>
-            <a:endParaRPr lang="en-US" sz="3444" u="none" strike="noStrike" spc="-68" dirty="0">
-              <a:solidFill>
-                <a:srgbClr val="000000"/>
-              </a:solidFill>
-              <a:latin typeface="+mn-ea"/>
-              <a:cs typeface="Canva Sans"/>
-              <a:sym typeface="Canva Sans"/>
-            </a:endParaRPr>
-          </a:p>
-          <a:p>
-            <a:pPr marL="0" lvl="0" indent="0" algn="l">
-              <a:lnSpc>
-                <a:spcPts val="3788"/>
-              </a:lnSpc>
-              <a:spcBef>
-                <a:spcPct val="0"/>
-              </a:spcBef>
-            </a:pPr>
-            <a:r>
-              <a:rPr lang="en-US" sz="3444" u="none" strike="noStrike" spc="-68" dirty="0" err="1">
-                <a:solidFill>
-                  <a:srgbClr val="000000"/>
-                </a:solidFill>
-                <a:latin typeface="+mn-ea"/>
-                <a:cs typeface="Canva Sans"/>
-                <a:sym typeface="Canva Sans"/>
-              </a:rPr>
-              <a:t>ㅈand</a:t>
-            </a:r>
-            <a:r>
-              <a:rPr lang="en-US" sz="3444" u="none" strike="noStrike" spc="-68" dirty="0">
-                <a:solidFill>
-                  <a:srgbClr val="000000"/>
-                </a:solidFill>
-                <a:latin typeface="+mn-ea"/>
-                <a:cs typeface="Canva Sans"/>
-                <a:sym typeface="Canva Sans"/>
-              </a:rPr>
-              <a:t> </a:t>
-            </a:r>
-            <a:r>
-              <a:rPr lang="en-US" sz="3444" u="none" strike="noStrike" spc="-68" dirty="0" err="1">
-                <a:solidFill>
-                  <a:srgbClr val="000000"/>
-                </a:solidFill>
-                <a:latin typeface="+mn-ea"/>
-                <a:cs typeface="Canva Sans"/>
-                <a:sym typeface="Canva Sans"/>
-              </a:rPr>
-              <a:t>학생.학번</a:t>
-            </a:r>
-            <a:r>
-              <a:rPr lang="en-US" sz="3444" u="none" strike="noStrike" spc="-68" dirty="0">
-                <a:solidFill>
-                  <a:srgbClr val="000000"/>
-                </a:solidFill>
-                <a:latin typeface="+mn-ea"/>
-                <a:cs typeface="Canva Sans"/>
-                <a:sym typeface="Canva Sans"/>
-              </a:rPr>
-              <a:t> = </a:t>
-            </a:r>
-            <a:r>
-              <a:rPr lang="en-US" sz="3444" u="none" strike="noStrike" spc="-68" dirty="0" err="1">
-                <a:solidFill>
-                  <a:srgbClr val="000000"/>
-                </a:solidFill>
-                <a:latin typeface="+mn-ea"/>
-                <a:cs typeface="Canva Sans"/>
-                <a:sym typeface="Canva Sans"/>
-              </a:rPr>
-              <a:t>성적.학번</a:t>
-            </a:r>
-            <a:endParaRPr lang="en-US" sz="3444" u="none" strike="noStrike" spc="-68" dirty="0">
-              <a:solidFill>
-                <a:srgbClr val="000000"/>
-              </a:solidFill>
-              <a:latin typeface="+mn-ea"/>
-              <a:cs typeface="Canva Sans"/>
-              <a:sym typeface="Canva Sans"/>
-            </a:endParaRPr>
-          </a:p>
-          <a:p>
-            <a:pPr marL="0" lvl="0" indent="0" algn="l">
-              <a:lnSpc>
-                <a:spcPts val="3788"/>
-              </a:lnSpc>
-              <a:spcBef>
-                <a:spcPct val="0"/>
-              </a:spcBef>
-            </a:pPr>
-            <a:r>
-              <a:rPr lang="en-US" sz="3444" u="none" strike="noStrike" spc="-68" dirty="0">
-                <a:solidFill>
-                  <a:srgbClr val="000000"/>
-                </a:solidFill>
-                <a:latin typeface="+mn-ea"/>
-                <a:cs typeface="Canva Sans"/>
-                <a:sym typeface="Canva Sans"/>
-              </a:rPr>
-              <a:t>and </a:t>
-            </a:r>
-            <a:r>
-              <a:rPr lang="en-US" sz="3444" u="none" strike="noStrike" spc="-68" dirty="0" err="1">
-                <a:solidFill>
-                  <a:srgbClr val="000000"/>
-                </a:solidFill>
-                <a:latin typeface="+mn-ea"/>
-                <a:cs typeface="Canva Sans"/>
-                <a:sym typeface="Canva Sans"/>
-              </a:rPr>
-              <a:t>과목.과목코드</a:t>
-            </a:r>
-            <a:r>
-              <a:rPr lang="en-US" sz="3444" u="none" strike="noStrike" spc="-68" dirty="0">
-                <a:solidFill>
-                  <a:srgbClr val="000000"/>
-                </a:solidFill>
-                <a:latin typeface="+mn-ea"/>
-                <a:cs typeface="Canva Sans"/>
-                <a:sym typeface="Canva Sans"/>
-              </a:rPr>
-              <a:t> = </a:t>
-            </a:r>
-            <a:r>
-              <a:rPr lang="en-US" sz="3444" u="none" strike="noStrike" spc="-68" dirty="0" err="1">
-                <a:solidFill>
-                  <a:srgbClr val="000000"/>
-                </a:solidFill>
-                <a:latin typeface="+mn-ea"/>
-                <a:cs typeface="Canva Sans"/>
-                <a:sym typeface="Canva Sans"/>
-              </a:rPr>
-              <a:t>성적.과목코드</a:t>
-            </a:r>
-            <a:r>
-              <a:rPr lang="en-US" sz="3444" u="none" strike="noStrike" spc="-68" dirty="0">
-                <a:solidFill>
-                  <a:srgbClr val="000000"/>
-                </a:solidFill>
-                <a:latin typeface="+mn-ea"/>
-                <a:cs typeface="Canva Sans"/>
-                <a:sym typeface="Canva Sans"/>
-              </a:rPr>
-              <a:t>;</a:t>
-            </a:r>
           </a:p>
         </p:txBody>
       </p:sp>
@@ -12556,15 +12564,15 @@
         </p:nvSpPr>
         <p:spPr>
           <a:xfrm>
-            <a:off x="514350" y="3385192"/>
-            <a:ext cx="8652151" cy="512568"/>
+            <a:off x="692064" y="1745912"/>
+            <a:ext cx="2295525" cy="512568"/>
           </a:xfrm>
           <a:prstGeom prst="rect">
             <a:avLst/>
           </a:prstGeom>
         </p:spPr>
         <p:txBody>
-          <a:bodyPr lIns="0" tIns="0" rIns="0" bIns="0" rtlCol="0" anchor="t">
+          <a:bodyPr wrap="square" lIns="0" tIns="0" rIns="0" bIns="0" anchor="t">
             <a:spAutoFit/>
           </a:bodyPr>
           <a:lstStyle/>
@@ -12576,6 +12584,7 @@
               <a:spcBef>
                 <a:spcPct val="0"/>
               </a:spcBef>
+              <a:defRPr/>
             </a:pPr>
             <a:r>
               <a:rPr lang="en-US" sz="4305" b="1" u="none" strike="noStrike" spc="-86" dirty="0" err="1">
@@ -12618,851 +12627,6 @@
               <a:cs typeface="Canva Sans Bold"/>
               <a:sym typeface="Canva Sans Bold"/>
             </a:endParaRPr>
-          </a:p>
-        </p:txBody>
-      </p:sp>
-      <p:sp>
-        <p:nvSpPr>
-          <p:cNvPr id="4" name="TextBox 4"/>
-          <p:cNvSpPr txBox="1"/>
-          <p:nvPr/>
-        </p:nvSpPr>
-        <p:spPr>
-          <a:xfrm>
-            <a:off x="9496307" y="4231923"/>
-            <a:ext cx="8277343" cy="5396415"/>
-          </a:xfrm>
-          <a:prstGeom prst="rect">
-            <a:avLst/>
-          </a:prstGeom>
-        </p:spPr>
-        <p:txBody>
-          <a:bodyPr lIns="0" tIns="0" rIns="0" bIns="0" rtlCol="0" anchor="t">
-            <a:spAutoFit/>
-          </a:bodyPr>
-          <a:lstStyle/>
-          <a:p>
-            <a:pPr marL="0" lvl="0" indent="0" algn="l">
-              <a:lnSpc>
-                <a:spcPts val="2841"/>
-              </a:lnSpc>
-              <a:spcBef>
-                <a:spcPct val="0"/>
-              </a:spcBef>
-            </a:pPr>
-            <a:r>
-              <a:rPr lang="en-US" sz="2583" u="none" strike="noStrike" spc="-51" dirty="0">
-                <a:solidFill>
-                  <a:srgbClr val="000000"/>
-                </a:solidFill>
-                <a:latin typeface="+mn-ea"/>
-                <a:cs typeface="Canva Sans"/>
-                <a:sym typeface="Canva Sans"/>
-              </a:rPr>
-              <a:t>select </a:t>
-            </a:r>
-            <a:r>
-              <a:rPr lang="en-US" sz="2583" u="none" strike="noStrike" spc="-51" dirty="0" err="1">
-                <a:solidFill>
-                  <a:srgbClr val="000000"/>
-                </a:solidFill>
-                <a:latin typeface="+mn-ea"/>
-                <a:cs typeface="Canva Sans"/>
-                <a:sym typeface="Canva Sans"/>
-              </a:rPr>
-              <a:t>학생.이름</a:t>
-            </a:r>
-            <a:r>
-              <a:rPr lang="en-US" sz="2583" u="none" strike="noStrike" spc="-51" dirty="0">
-                <a:solidFill>
-                  <a:srgbClr val="000000"/>
-                </a:solidFill>
-                <a:latin typeface="+mn-ea"/>
-                <a:cs typeface="Canva Sans"/>
-                <a:sym typeface="Canva Sans"/>
-              </a:rPr>
-              <a:t>, </a:t>
-            </a:r>
-            <a:r>
-              <a:rPr lang="en-US" sz="2583" u="none" strike="noStrike" spc="-51" dirty="0" err="1">
-                <a:solidFill>
-                  <a:srgbClr val="000000"/>
-                </a:solidFill>
-                <a:latin typeface="+mn-ea"/>
-                <a:cs typeface="Canva Sans"/>
-                <a:sym typeface="Canva Sans"/>
-              </a:rPr>
-              <a:t>학생.학번</a:t>
-            </a:r>
-            <a:r>
-              <a:rPr lang="en-US" sz="2583" u="none" strike="noStrike" spc="-51" dirty="0">
-                <a:solidFill>
-                  <a:srgbClr val="000000"/>
-                </a:solidFill>
-                <a:latin typeface="+mn-ea"/>
-                <a:cs typeface="Canva Sans"/>
-                <a:sym typeface="Canva Sans"/>
-              </a:rPr>
-              <a:t>, </a:t>
-            </a:r>
-            <a:r>
-              <a:rPr lang="en-US" sz="2583" u="none" strike="noStrike" spc="-51" dirty="0" err="1">
-                <a:solidFill>
-                  <a:srgbClr val="000000"/>
-                </a:solidFill>
-                <a:latin typeface="+mn-ea"/>
-                <a:cs typeface="Canva Sans"/>
-                <a:sym typeface="Canva Sans"/>
-              </a:rPr>
-              <a:t>시간표.요일</a:t>
-            </a:r>
-            <a:r>
-              <a:rPr lang="en-US" sz="2583" u="none" strike="noStrike" spc="-51" dirty="0">
-                <a:solidFill>
-                  <a:srgbClr val="000000"/>
-                </a:solidFill>
-                <a:latin typeface="+mn-ea"/>
-                <a:cs typeface="Canva Sans"/>
-                <a:sym typeface="Canva Sans"/>
-              </a:rPr>
-              <a:t>, </a:t>
-            </a:r>
-            <a:r>
-              <a:rPr lang="en-US" sz="2583" u="none" strike="noStrike" spc="-51" dirty="0" err="1">
-                <a:solidFill>
-                  <a:srgbClr val="000000"/>
-                </a:solidFill>
-                <a:latin typeface="+mn-ea"/>
-                <a:cs typeface="Canva Sans"/>
-                <a:sym typeface="Canva Sans"/>
-              </a:rPr>
-              <a:t>시간표.시작시간</a:t>
-            </a:r>
-            <a:r>
-              <a:rPr lang="en-US" sz="2583" u="none" strike="noStrike" spc="-51" dirty="0">
-                <a:solidFill>
-                  <a:srgbClr val="000000"/>
-                </a:solidFill>
-                <a:latin typeface="+mn-ea"/>
-                <a:cs typeface="Canva Sans"/>
-                <a:sym typeface="Canva Sans"/>
-              </a:rPr>
-              <a:t>, </a:t>
-            </a:r>
-            <a:r>
-              <a:rPr lang="en-US" sz="2583" u="none" strike="noStrike" spc="-51" dirty="0" err="1">
-                <a:solidFill>
-                  <a:srgbClr val="000000"/>
-                </a:solidFill>
-                <a:latin typeface="+mn-ea"/>
-                <a:cs typeface="Canva Sans"/>
-                <a:sym typeface="Canva Sans"/>
-              </a:rPr>
-              <a:t>시간표.종료시간</a:t>
-            </a:r>
-            <a:r>
-              <a:rPr lang="en-US" sz="2583" u="none" strike="noStrike" spc="-51" dirty="0">
-                <a:solidFill>
-                  <a:srgbClr val="000000"/>
-                </a:solidFill>
-                <a:latin typeface="+mn-ea"/>
-                <a:cs typeface="Canva Sans"/>
-                <a:sym typeface="Canva Sans"/>
-              </a:rPr>
-              <a:t>, </a:t>
-            </a:r>
-            <a:r>
-              <a:rPr lang="en-US" sz="2583" u="none" strike="noStrike" spc="-51" dirty="0" err="1">
-                <a:solidFill>
-                  <a:srgbClr val="000000"/>
-                </a:solidFill>
-                <a:latin typeface="+mn-ea"/>
-                <a:cs typeface="Canva Sans"/>
-                <a:sym typeface="Canva Sans"/>
-              </a:rPr>
-              <a:t>과목.과목명</a:t>
-            </a:r>
-            <a:endParaRPr lang="en-US" sz="2583" u="none" strike="noStrike" spc="-51" dirty="0">
-              <a:solidFill>
-                <a:srgbClr val="000000"/>
-              </a:solidFill>
-              <a:latin typeface="+mn-ea"/>
-              <a:cs typeface="Canva Sans"/>
-              <a:sym typeface="Canva Sans"/>
-            </a:endParaRPr>
-          </a:p>
-          <a:p>
-            <a:pPr marL="0" lvl="0" indent="0" algn="l">
-              <a:lnSpc>
-                <a:spcPts val="2841"/>
-              </a:lnSpc>
-              <a:spcBef>
-                <a:spcPct val="0"/>
-              </a:spcBef>
-            </a:pPr>
-            <a:r>
-              <a:rPr lang="en-US" sz="2583" u="none" strike="noStrike" spc="-51" dirty="0">
-                <a:solidFill>
-                  <a:srgbClr val="000000"/>
-                </a:solidFill>
-                <a:latin typeface="+mn-ea"/>
-                <a:cs typeface="Canva Sans"/>
-                <a:sym typeface="Canva Sans"/>
-              </a:rPr>
-              <a:t>from </a:t>
-            </a:r>
-            <a:r>
-              <a:rPr lang="en-US" sz="2583" u="none" strike="noStrike" spc="-51" dirty="0" err="1">
-                <a:solidFill>
-                  <a:srgbClr val="000000"/>
-                </a:solidFill>
-                <a:latin typeface="+mn-ea"/>
-                <a:cs typeface="Canva Sans"/>
-                <a:sym typeface="Canva Sans"/>
-              </a:rPr>
-              <a:t>학생</a:t>
-            </a:r>
-            <a:r>
-              <a:rPr lang="en-US" sz="2583" u="none" strike="noStrike" spc="-51" dirty="0">
-                <a:solidFill>
-                  <a:srgbClr val="000000"/>
-                </a:solidFill>
-                <a:latin typeface="+mn-ea"/>
-                <a:cs typeface="Canva Sans"/>
-                <a:sym typeface="Canva Sans"/>
-              </a:rPr>
-              <a:t>, </a:t>
-            </a:r>
-            <a:r>
-              <a:rPr lang="en-US" sz="2583" u="none" strike="noStrike" spc="-51" dirty="0" err="1">
-                <a:solidFill>
-                  <a:srgbClr val="000000"/>
-                </a:solidFill>
-                <a:latin typeface="+mn-ea"/>
-                <a:cs typeface="Canva Sans"/>
-                <a:sym typeface="Canva Sans"/>
-              </a:rPr>
-              <a:t>시간표</a:t>
-            </a:r>
-            <a:r>
-              <a:rPr lang="en-US" sz="2583" u="none" strike="noStrike" spc="-51" dirty="0">
-                <a:solidFill>
-                  <a:srgbClr val="000000"/>
-                </a:solidFill>
-                <a:latin typeface="+mn-ea"/>
-                <a:cs typeface="Canva Sans"/>
-                <a:sym typeface="Canva Sans"/>
-              </a:rPr>
-              <a:t>, </a:t>
-            </a:r>
-            <a:r>
-              <a:rPr lang="en-US" sz="2583" u="none" strike="noStrike" spc="-51" dirty="0" err="1">
-                <a:solidFill>
-                  <a:srgbClr val="000000"/>
-                </a:solidFill>
-                <a:latin typeface="+mn-ea"/>
-                <a:cs typeface="Canva Sans"/>
-                <a:sym typeface="Canva Sans"/>
-              </a:rPr>
-              <a:t>과목</a:t>
-            </a:r>
-            <a:endParaRPr lang="en-US" sz="2583" u="none" strike="noStrike" spc="-51" dirty="0">
-              <a:solidFill>
-                <a:srgbClr val="000000"/>
-              </a:solidFill>
-              <a:latin typeface="+mn-ea"/>
-              <a:cs typeface="Canva Sans"/>
-              <a:sym typeface="Canva Sans"/>
-            </a:endParaRPr>
-          </a:p>
-          <a:p>
-            <a:pPr marL="0" lvl="0" indent="0" algn="l">
-              <a:lnSpc>
-                <a:spcPts val="2841"/>
-              </a:lnSpc>
-              <a:spcBef>
-                <a:spcPct val="0"/>
-              </a:spcBef>
-            </a:pPr>
-            <a:r>
-              <a:rPr lang="en-US" sz="2583" u="none" strike="noStrike" spc="-51" dirty="0">
-                <a:solidFill>
-                  <a:srgbClr val="000000"/>
-                </a:solidFill>
-                <a:latin typeface="+mn-ea"/>
-                <a:cs typeface="Canva Sans"/>
-                <a:sym typeface="Canva Sans"/>
-              </a:rPr>
-              <a:t>where </a:t>
-            </a:r>
-            <a:r>
-              <a:rPr lang="en-US" sz="2583" u="none" strike="noStrike" spc="-51" dirty="0" err="1">
-                <a:solidFill>
-                  <a:srgbClr val="000000"/>
-                </a:solidFill>
-                <a:latin typeface="+mn-ea"/>
-                <a:cs typeface="Canva Sans"/>
-                <a:sym typeface="Canva Sans"/>
-              </a:rPr>
-              <a:t>학생.학번</a:t>
-            </a:r>
-            <a:r>
-              <a:rPr lang="en-US" sz="2583" u="none" strike="noStrike" spc="-51" dirty="0">
-                <a:solidFill>
-                  <a:srgbClr val="000000"/>
-                </a:solidFill>
-                <a:latin typeface="+mn-ea"/>
-                <a:cs typeface="Canva Sans"/>
-                <a:sym typeface="Canva Sans"/>
-              </a:rPr>
-              <a:t> = '21101862' #본인 </a:t>
-            </a:r>
-            <a:r>
-              <a:rPr lang="en-US" sz="2583" u="none" strike="noStrike" spc="-51" dirty="0" err="1">
-                <a:solidFill>
-                  <a:srgbClr val="000000"/>
-                </a:solidFill>
-                <a:latin typeface="+mn-ea"/>
-                <a:cs typeface="Canva Sans"/>
-                <a:sym typeface="Canva Sans"/>
-              </a:rPr>
-              <a:t>학점</a:t>
-            </a:r>
-            <a:r>
-              <a:rPr lang="en-US" sz="2583" u="none" strike="noStrike" spc="-51" dirty="0">
-                <a:solidFill>
-                  <a:srgbClr val="000000"/>
-                </a:solidFill>
-                <a:latin typeface="+mn-ea"/>
-                <a:cs typeface="Canva Sans"/>
-                <a:sym typeface="Canva Sans"/>
-              </a:rPr>
-              <a:t> </a:t>
-            </a:r>
-            <a:r>
-              <a:rPr lang="en-US" sz="2583" u="none" strike="noStrike" spc="-51" dirty="0" err="1">
-                <a:solidFill>
-                  <a:srgbClr val="000000"/>
-                </a:solidFill>
-                <a:latin typeface="+mn-ea"/>
-                <a:cs typeface="Canva Sans"/>
-                <a:sym typeface="Canva Sans"/>
-              </a:rPr>
-              <a:t>넣기</a:t>
-            </a:r>
-            <a:endParaRPr lang="en-US" sz="2583" u="none" strike="noStrike" spc="-51" dirty="0">
-              <a:solidFill>
-                <a:srgbClr val="000000"/>
-              </a:solidFill>
-              <a:latin typeface="+mn-ea"/>
-              <a:cs typeface="Canva Sans"/>
-              <a:sym typeface="Canva Sans"/>
-            </a:endParaRPr>
-          </a:p>
-          <a:p>
-            <a:pPr marL="0" lvl="0" indent="0" algn="l">
-              <a:lnSpc>
-                <a:spcPts val="2841"/>
-              </a:lnSpc>
-              <a:spcBef>
-                <a:spcPct val="0"/>
-              </a:spcBef>
-            </a:pPr>
-            <a:r>
-              <a:rPr lang="en-US" sz="2583" u="none" strike="noStrike" spc="-51" dirty="0">
-                <a:solidFill>
-                  <a:srgbClr val="000000"/>
-                </a:solidFill>
-                <a:latin typeface="+mn-ea"/>
-                <a:cs typeface="Canva Sans"/>
-                <a:sym typeface="Canva Sans"/>
-              </a:rPr>
-              <a:t>and </a:t>
-            </a:r>
-            <a:r>
-              <a:rPr lang="en-US" sz="2583" u="none" strike="noStrike" spc="-51" dirty="0" err="1">
-                <a:solidFill>
-                  <a:srgbClr val="000000"/>
-                </a:solidFill>
-                <a:latin typeface="+mn-ea"/>
-                <a:cs typeface="Canva Sans"/>
-                <a:sym typeface="Canva Sans"/>
-              </a:rPr>
-              <a:t>학생.이름</a:t>
-            </a:r>
-            <a:r>
-              <a:rPr lang="en-US" sz="2583" u="none" strike="noStrike" spc="-51" dirty="0">
-                <a:solidFill>
-                  <a:srgbClr val="000000"/>
-                </a:solidFill>
-                <a:latin typeface="+mn-ea"/>
-                <a:cs typeface="Canva Sans"/>
-                <a:sym typeface="Canva Sans"/>
-              </a:rPr>
-              <a:t> = '천민기' #본인 </a:t>
-            </a:r>
-            <a:r>
-              <a:rPr lang="en-US" sz="2583" u="none" strike="noStrike" spc="-51" dirty="0" err="1">
-                <a:solidFill>
-                  <a:srgbClr val="000000"/>
-                </a:solidFill>
-                <a:latin typeface="+mn-ea"/>
-                <a:cs typeface="Canva Sans"/>
-                <a:sym typeface="Canva Sans"/>
-              </a:rPr>
-              <a:t>이름</a:t>
-            </a:r>
-            <a:r>
-              <a:rPr lang="en-US" sz="2583" u="none" strike="noStrike" spc="-51" dirty="0">
-                <a:solidFill>
-                  <a:srgbClr val="000000"/>
-                </a:solidFill>
-                <a:latin typeface="+mn-ea"/>
-                <a:cs typeface="Canva Sans"/>
-                <a:sym typeface="Canva Sans"/>
-              </a:rPr>
-              <a:t> </a:t>
-            </a:r>
-            <a:r>
-              <a:rPr lang="en-US" sz="2583" u="none" strike="noStrike" spc="-51" dirty="0" err="1">
-                <a:solidFill>
-                  <a:srgbClr val="000000"/>
-                </a:solidFill>
-                <a:latin typeface="+mn-ea"/>
-                <a:cs typeface="Canva Sans"/>
-                <a:sym typeface="Canva Sans"/>
-              </a:rPr>
-              <a:t>넣기</a:t>
-            </a:r>
-            <a:endParaRPr lang="en-US" sz="2583" u="none" strike="noStrike" spc="-51" dirty="0">
-              <a:solidFill>
-                <a:srgbClr val="000000"/>
-              </a:solidFill>
-              <a:latin typeface="+mn-ea"/>
-              <a:cs typeface="Canva Sans"/>
-              <a:sym typeface="Canva Sans"/>
-            </a:endParaRPr>
-          </a:p>
-          <a:p>
-            <a:pPr marL="0" lvl="0" indent="0" algn="l">
-              <a:lnSpc>
-                <a:spcPts val="2841"/>
-              </a:lnSpc>
-              <a:spcBef>
-                <a:spcPct val="0"/>
-              </a:spcBef>
-            </a:pPr>
-            <a:r>
-              <a:rPr lang="en-US" sz="2583" u="none" strike="noStrike" spc="-51" dirty="0">
-                <a:solidFill>
-                  <a:srgbClr val="000000"/>
-                </a:solidFill>
-                <a:latin typeface="+mn-ea"/>
-                <a:cs typeface="Canva Sans"/>
-                <a:sym typeface="Canva Sans"/>
-              </a:rPr>
-              <a:t>and </a:t>
-            </a:r>
-            <a:r>
-              <a:rPr lang="en-US" sz="2583" u="none" strike="noStrike" spc="-51" dirty="0" err="1">
-                <a:solidFill>
-                  <a:srgbClr val="000000"/>
-                </a:solidFill>
-                <a:latin typeface="+mn-ea"/>
-                <a:cs typeface="Canva Sans"/>
-                <a:sym typeface="Canva Sans"/>
-              </a:rPr>
-              <a:t>학생.학번</a:t>
-            </a:r>
-            <a:r>
-              <a:rPr lang="en-US" sz="2583" u="none" strike="noStrike" spc="-51" dirty="0">
-                <a:solidFill>
-                  <a:srgbClr val="000000"/>
-                </a:solidFill>
-                <a:latin typeface="+mn-ea"/>
-                <a:cs typeface="Canva Sans"/>
-                <a:sym typeface="Canva Sans"/>
-              </a:rPr>
-              <a:t> = </a:t>
-            </a:r>
-            <a:r>
-              <a:rPr lang="en-US" sz="2583" u="none" strike="noStrike" spc="-51" dirty="0" err="1">
-                <a:solidFill>
-                  <a:srgbClr val="000000"/>
-                </a:solidFill>
-                <a:latin typeface="+mn-ea"/>
-                <a:cs typeface="Canva Sans"/>
-                <a:sym typeface="Canva Sans"/>
-              </a:rPr>
-              <a:t>시간표.학번</a:t>
-            </a:r>
-            <a:endParaRPr lang="en-US" sz="2583" u="none" strike="noStrike" spc="-51" dirty="0">
-              <a:solidFill>
-                <a:srgbClr val="000000"/>
-              </a:solidFill>
-              <a:latin typeface="+mn-ea"/>
-              <a:cs typeface="Canva Sans"/>
-              <a:sym typeface="Canva Sans"/>
-            </a:endParaRPr>
-          </a:p>
-          <a:p>
-            <a:pPr marL="0" lvl="0" indent="0" algn="l">
-              <a:lnSpc>
-                <a:spcPts val="2841"/>
-              </a:lnSpc>
-              <a:spcBef>
-                <a:spcPct val="0"/>
-              </a:spcBef>
-            </a:pPr>
-            <a:r>
-              <a:rPr lang="en-US" sz="2583" u="none" strike="noStrike" spc="-51" dirty="0">
-                <a:solidFill>
-                  <a:srgbClr val="000000"/>
-                </a:solidFill>
-                <a:latin typeface="+mn-ea"/>
-                <a:cs typeface="Canva Sans"/>
-                <a:sym typeface="Canva Sans"/>
-              </a:rPr>
-              <a:t>and </a:t>
-            </a:r>
-            <a:r>
-              <a:rPr lang="en-US" sz="2583" u="none" strike="noStrike" spc="-51" dirty="0" err="1">
-                <a:solidFill>
-                  <a:srgbClr val="000000"/>
-                </a:solidFill>
-                <a:latin typeface="+mn-ea"/>
-                <a:cs typeface="Canva Sans"/>
-                <a:sym typeface="Canva Sans"/>
-              </a:rPr>
-              <a:t>과목.과목코드</a:t>
-            </a:r>
-            <a:r>
-              <a:rPr lang="en-US" sz="2583" u="none" strike="noStrike" spc="-51" dirty="0">
-                <a:solidFill>
-                  <a:srgbClr val="000000"/>
-                </a:solidFill>
-                <a:latin typeface="+mn-ea"/>
-                <a:cs typeface="Canva Sans"/>
-                <a:sym typeface="Canva Sans"/>
-              </a:rPr>
-              <a:t> = </a:t>
-            </a:r>
-            <a:r>
-              <a:rPr lang="en-US" sz="2583" u="none" strike="noStrike" spc="-51" dirty="0" err="1">
-                <a:solidFill>
-                  <a:srgbClr val="000000"/>
-                </a:solidFill>
-                <a:latin typeface="+mn-ea"/>
-                <a:cs typeface="Canva Sans"/>
-                <a:sym typeface="Canva Sans"/>
-              </a:rPr>
-              <a:t>시간표.과목코드</a:t>
-            </a:r>
-            <a:endParaRPr lang="en-US" sz="2583" u="none" strike="noStrike" spc="-51" dirty="0">
-              <a:solidFill>
-                <a:srgbClr val="000000"/>
-              </a:solidFill>
-              <a:latin typeface="+mn-ea"/>
-              <a:cs typeface="Canva Sans"/>
-              <a:sym typeface="Canva Sans"/>
-            </a:endParaRPr>
-          </a:p>
-          <a:p>
-            <a:pPr marL="0" lvl="0" indent="0" algn="l">
-              <a:lnSpc>
-                <a:spcPts val="2841"/>
-              </a:lnSpc>
-              <a:spcBef>
-                <a:spcPct val="0"/>
-              </a:spcBef>
-            </a:pPr>
-            <a:r>
-              <a:rPr lang="en-US" sz="2583" u="none" strike="noStrike" spc="-51" dirty="0">
-                <a:solidFill>
-                  <a:srgbClr val="000000"/>
-                </a:solidFill>
-                <a:latin typeface="+mn-ea"/>
-                <a:cs typeface="Canva Sans"/>
-                <a:sym typeface="Canva Sans"/>
-              </a:rPr>
-              <a:t>order by case </a:t>
-            </a:r>
-            <a:r>
-              <a:rPr lang="en-US" sz="2583" u="none" strike="noStrike" spc="-51" dirty="0" err="1">
-                <a:solidFill>
-                  <a:srgbClr val="000000"/>
-                </a:solidFill>
-                <a:latin typeface="+mn-ea"/>
-                <a:cs typeface="Canva Sans"/>
-                <a:sym typeface="Canva Sans"/>
-              </a:rPr>
-              <a:t>시간표.요일</a:t>
-            </a:r>
-            <a:endParaRPr lang="en-US" sz="2583" u="none" strike="noStrike" spc="-51" dirty="0">
-              <a:solidFill>
-                <a:srgbClr val="000000"/>
-              </a:solidFill>
-              <a:latin typeface="+mn-ea"/>
-              <a:cs typeface="Canva Sans"/>
-              <a:sym typeface="Canva Sans"/>
-            </a:endParaRPr>
-          </a:p>
-          <a:p>
-            <a:pPr marL="0" lvl="0" indent="0" algn="l">
-              <a:lnSpc>
-                <a:spcPts val="2841"/>
-              </a:lnSpc>
-              <a:spcBef>
-                <a:spcPct val="0"/>
-              </a:spcBef>
-            </a:pPr>
-            <a:r>
-              <a:rPr lang="en-US" sz="2583" u="none" strike="noStrike" spc="-51" dirty="0">
-                <a:solidFill>
-                  <a:srgbClr val="000000"/>
-                </a:solidFill>
-                <a:latin typeface="+mn-ea"/>
-                <a:cs typeface="Canva Sans"/>
-                <a:sym typeface="Canva Sans"/>
-              </a:rPr>
-              <a:t>          when '</a:t>
-            </a:r>
-            <a:r>
-              <a:rPr lang="en-US" sz="2583" u="none" strike="noStrike" spc="-51" dirty="0" err="1">
-                <a:solidFill>
-                  <a:srgbClr val="000000"/>
-                </a:solidFill>
-                <a:latin typeface="+mn-ea"/>
-                <a:cs typeface="Canva Sans"/>
-                <a:sym typeface="Canva Sans"/>
-              </a:rPr>
-              <a:t>월요일</a:t>
-            </a:r>
-            <a:r>
-              <a:rPr lang="en-US" sz="2583" u="none" strike="noStrike" spc="-51" dirty="0">
-                <a:solidFill>
-                  <a:srgbClr val="000000"/>
-                </a:solidFill>
-                <a:latin typeface="+mn-ea"/>
-                <a:cs typeface="Canva Sans"/>
-                <a:sym typeface="Canva Sans"/>
-              </a:rPr>
-              <a:t>' then 1</a:t>
-            </a:r>
-          </a:p>
-          <a:p>
-            <a:pPr marL="0" lvl="0" indent="0" algn="l">
-              <a:lnSpc>
-                <a:spcPts val="2841"/>
-              </a:lnSpc>
-              <a:spcBef>
-                <a:spcPct val="0"/>
-              </a:spcBef>
-            </a:pPr>
-            <a:r>
-              <a:rPr lang="en-US" sz="2583" u="none" strike="noStrike" spc="-51" dirty="0">
-                <a:solidFill>
-                  <a:srgbClr val="000000"/>
-                </a:solidFill>
-                <a:latin typeface="+mn-ea"/>
-                <a:cs typeface="Canva Sans"/>
-                <a:sym typeface="Canva Sans"/>
-              </a:rPr>
-              <a:t>          when '</a:t>
-            </a:r>
-            <a:r>
-              <a:rPr lang="en-US" sz="2583" u="none" strike="noStrike" spc="-51" dirty="0" err="1">
-                <a:solidFill>
-                  <a:srgbClr val="000000"/>
-                </a:solidFill>
-                <a:latin typeface="+mn-ea"/>
-                <a:cs typeface="Canva Sans"/>
-                <a:sym typeface="Canva Sans"/>
-              </a:rPr>
-              <a:t>화요일</a:t>
-            </a:r>
-            <a:r>
-              <a:rPr lang="en-US" sz="2583" u="none" strike="noStrike" spc="-51" dirty="0">
-                <a:solidFill>
-                  <a:srgbClr val="000000"/>
-                </a:solidFill>
-                <a:latin typeface="+mn-ea"/>
-                <a:cs typeface="Canva Sans"/>
-                <a:sym typeface="Canva Sans"/>
-              </a:rPr>
-              <a:t>' then 2</a:t>
-            </a:r>
-          </a:p>
-          <a:p>
-            <a:pPr marL="0" lvl="0" indent="0" algn="l">
-              <a:lnSpc>
-                <a:spcPts val="2841"/>
-              </a:lnSpc>
-              <a:spcBef>
-                <a:spcPct val="0"/>
-              </a:spcBef>
-            </a:pPr>
-            <a:r>
-              <a:rPr lang="en-US" sz="2583" u="none" strike="noStrike" spc="-51" dirty="0">
-                <a:solidFill>
-                  <a:srgbClr val="000000"/>
-                </a:solidFill>
-                <a:latin typeface="+mn-ea"/>
-                <a:cs typeface="Canva Sans"/>
-                <a:sym typeface="Canva Sans"/>
-              </a:rPr>
-              <a:t>          when '</a:t>
-            </a:r>
-            <a:r>
-              <a:rPr lang="en-US" sz="2583" u="none" strike="noStrike" spc="-51" dirty="0" err="1">
-                <a:solidFill>
-                  <a:srgbClr val="000000"/>
-                </a:solidFill>
-                <a:latin typeface="+mn-ea"/>
-                <a:cs typeface="Canva Sans"/>
-                <a:sym typeface="Canva Sans"/>
-              </a:rPr>
-              <a:t>수요일</a:t>
-            </a:r>
-            <a:r>
-              <a:rPr lang="en-US" sz="2583" u="none" strike="noStrike" spc="-51" dirty="0">
-                <a:solidFill>
-                  <a:srgbClr val="000000"/>
-                </a:solidFill>
-                <a:latin typeface="+mn-ea"/>
-                <a:cs typeface="Canva Sans"/>
-                <a:sym typeface="Canva Sans"/>
-              </a:rPr>
-              <a:t>' then 3</a:t>
-            </a:r>
-          </a:p>
-          <a:p>
-            <a:pPr marL="0" lvl="0" indent="0" algn="l">
-              <a:lnSpc>
-                <a:spcPts val="2841"/>
-              </a:lnSpc>
-              <a:spcBef>
-                <a:spcPct val="0"/>
-              </a:spcBef>
-            </a:pPr>
-            <a:r>
-              <a:rPr lang="en-US" sz="2583" u="none" strike="noStrike" spc="-51" dirty="0">
-                <a:solidFill>
-                  <a:srgbClr val="000000"/>
-                </a:solidFill>
-                <a:latin typeface="+mn-ea"/>
-                <a:cs typeface="Canva Sans"/>
-                <a:sym typeface="Canva Sans"/>
-              </a:rPr>
-              <a:t>          when '</a:t>
-            </a:r>
-            <a:r>
-              <a:rPr lang="en-US" sz="2583" u="none" strike="noStrike" spc="-51" dirty="0" err="1">
-                <a:solidFill>
-                  <a:srgbClr val="000000"/>
-                </a:solidFill>
-                <a:latin typeface="+mn-ea"/>
-                <a:cs typeface="Canva Sans"/>
-                <a:sym typeface="Canva Sans"/>
-              </a:rPr>
-              <a:t>목요일</a:t>
-            </a:r>
-            <a:r>
-              <a:rPr lang="en-US" sz="2583" u="none" strike="noStrike" spc="-51" dirty="0">
-                <a:solidFill>
-                  <a:srgbClr val="000000"/>
-                </a:solidFill>
-                <a:latin typeface="+mn-ea"/>
-                <a:cs typeface="Canva Sans"/>
-                <a:sym typeface="Canva Sans"/>
-              </a:rPr>
-              <a:t>' then 4</a:t>
-            </a:r>
-          </a:p>
-          <a:p>
-            <a:pPr marL="0" lvl="0" indent="0" algn="l">
-              <a:lnSpc>
-                <a:spcPts val="2841"/>
-              </a:lnSpc>
-              <a:spcBef>
-                <a:spcPct val="0"/>
-              </a:spcBef>
-            </a:pPr>
-            <a:r>
-              <a:rPr lang="en-US" sz="2583" u="none" strike="noStrike" spc="-51" dirty="0">
-                <a:solidFill>
-                  <a:srgbClr val="000000"/>
-                </a:solidFill>
-                <a:latin typeface="+mn-ea"/>
-                <a:cs typeface="Canva Sans"/>
-                <a:sym typeface="Canva Sans"/>
-              </a:rPr>
-              <a:t>          when '</a:t>
-            </a:r>
-            <a:r>
-              <a:rPr lang="en-US" sz="2583" u="none" strike="noStrike" spc="-51" dirty="0" err="1">
-                <a:solidFill>
-                  <a:srgbClr val="000000"/>
-                </a:solidFill>
-                <a:latin typeface="+mn-ea"/>
-                <a:cs typeface="Canva Sans"/>
-                <a:sym typeface="Canva Sans"/>
-              </a:rPr>
-              <a:t>금요일</a:t>
-            </a:r>
-            <a:r>
-              <a:rPr lang="en-US" sz="2583" u="none" strike="noStrike" spc="-51" dirty="0">
-                <a:solidFill>
-                  <a:srgbClr val="000000"/>
-                </a:solidFill>
-                <a:latin typeface="+mn-ea"/>
-                <a:cs typeface="Canva Sans"/>
-                <a:sym typeface="Canva Sans"/>
-              </a:rPr>
-              <a:t>' then 5</a:t>
-            </a:r>
-          </a:p>
-          <a:p>
-            <a:pPr marL="0" lvl="0" indent="0" algn="l">
-              <a:lnSpc>
-                <a:spcPts val="2841"/>
-              </a:lnSpc>
-              <a:spcBef>
-                <a:spcPct val="0"/>
-              </a:spcBef>
-            </a:pPr>
-            <a:r>
-              <a:rPr lang="en-US" sz="2583" u="none" strike="noStrike" spc="-51" dirty="0">
-                <a:solidFill>
-                  <a:srgbClr val="000000"/>
-                </a:solidFill>
-                <a:latin typeface="+mn-ea"/>
-                <a:cs typeface="Canva Sans"/>
-                <a:sym typeface="Canva Sans"/>
-              </a:rPr>
-              <a:t>          else 6</a:t>
-            </a:r>
-          </a:p>
-          <a:p>
-            <a:pPr marL="0" lvl="0" indent="0" algn="l">
-              <a:lnSpc>
-                <a:spcPts val="2841"/>
-              </a:lnSpc>
-              <a:spcBef>
-                <a:spcPct val="0"/>
-              </a:spcBef>
-            </a:pPr>
-            <a:r>
-              <a:rPr lang="en-US" sz="2583" u="none" strike="noStrike" spc="-51" dirty="0">
-                <a:solidFill>
-                  <a:srgbClr val="000000"/>
-                </a:solidFill>
-                <a:latin typeface="+mn-ea"/>
-                <a:cs typeface="Canva Sans"/>
-                <a:sym typeface="Canva Sans"/>
-              </a:rPr>
-              <a:t>          end;</a:t>
-            </a:r>
           </a:p>
         </p:txBody>
       </p:sp>
@@ -13474,7 +12638,7 @@
         </p:nvSpPr>
         <p:spPr>
           <a:xfrm>
-            <a:off x="9496307" y="3410825"/>
+            <a:off x="9144000" y="1745912"/>
             <a:ext cx="8277343" cy="512568"/>
           </a:xfrm>
           <a:prstGeom prst="rect">
@@ -13482,7 +12646,7 @@
           </a:prstGeom>
         </p:spPr>
         <p:txBody>
-          <a:bodyPr lIns="0" tIns="0" rIns="0" bIns="0" rtlCol="0" anchor="t">
+          <a:bodyPr wrap="square" lIns="0" tIns="0" rIns="0" bIns="0" anchor="t">
             <a:spAutoFit/>
           </a:bodyPr>
           <a:lstStyle/>
@@ -13494,6 +12658,7 @@
               <a:spcBef>
                 <a:spcPct val="0"/>
               </a:spcBef>
+              <a:defRPr/>
             </a:pPr>
             <a:r>
               <a:rPr lang="en-US" sz="4305" b="1" u="none" strike="noStrike" spc="-86" dirty="0" err="1">
@@ -13536,37 +12701,6 @@
               <a:cs typeface="Canva Sans Bold"/>
               <a:sym typeface="Canva Sans Bold"/>
             </a:endParaRPr>
-          </a:p>
-        </p:txBody>
-      </p:sp>
-      <p:sp>
-        <p:nvSpPr>
-          <p:cNvPr id="6" name="AutoShape 6"/>
-          <p:cNvSpPr/>
-          <p:nvPr/>
-        </p:nvSpPr>
-        <p:spPr>
-          <a:xfrm flipH="1" flipV="1">
-            <a:off x="9166501" y="3251842"/>
-            <a:ext cx="0" cy="5483326"/>
-          </a:xfrm>
-          <a:prstGeom prst="line">
-            <a:avLst/>
-          </a:prstGeom>
-          <a:ln w="19050" cap="flat">
-            <a:solidFill>
-              <a:srgbClr val="000000"/>
-            </a:solidFill>
-            <a:prstDash val="solid"/>
-            <a:headEnd type="none" w="sm" len="sm"/>
-            <a:tailEnd type="none" w="sm" len="sm"/>
-          </a:ln>
-        </p:spPr>
-        <p:txBody>
-          <a:bodyPr/>
-          <a:lstStyle/>
-          <a:p>
-            <a:endParaRPr lang="ko-KR" altLang="en-US"/>
           </a:p>
         </p:txBody>
       </p:sp>
@@ -13605,6 +12739,1019 @@
               </a:rPr>
               <a:t>쿼리 예제</a:t>
             </a:r>
+          </a:p>
+        </p:txBody>
+      </p:sp>
+      <p:sp>
+        <p:nvSpPr>
+          <p:cNvPr id="10" name="가로 글상자 9"/>
+          <p:cNvSpPr txBox="1"/>
+          <p:nvPr/>
+        </p:nvSpPr>
+        <p:spPr>
+          <a:xfrm>
+            <a:off x="692064" y="2434590"/>
+            <a:ext cx="8305800" cy="3503523"/>
+          </a:xfrm>
+          <a:prstGeom prst="rect">
+            <a:avLst/>
+          </a:prstGeom>
+        </p:spPr>
+        <p:txBody>
+          <a:bodyPr wrap="square">
+            <a:spAutoFit/>
+          </a:bodyPr>
+          <a:lstStyle/>
+          <a:p>
+            <a:pPr marL="0" lvl="0" indent="0" algn="l">
+              <a:lnSpc>
+                <a:spcPts val="3788"/>
+              </a:lnSpc>
+              <a:spcBef>
+                <a:spcPct val="0"/>
+              </a:spcBef>
+              <a:defRPr/>
+            </a:pPr>
+            <a:r>
+              <a:rPr lang="en-US" sz="3400" spc="-68" dirty="0">
+                <a:solidFill>
+                  <a:srgbClr val="000000"/>
+                </a:solidFill>
+                <a:cs typeface="Canva Sans"/>
+                <a:sym typeface="Canva Sans"/>
+              </a:rPr>
+              <a:t>SELECT</a:t>
+            </a:r>
+            <a:r>
+              <a:rPr lang="en-US" sz="3400" u="none" strike="noStrike" spc="-68" dirty="0">
+                <a:solidFill>
+                  <a:srgbClr val="000000"/>
+                </a:solidFill>
+                <a:cs typeface="Canva Sans"/>
+                <a:sym typeface="Canva Sans"/>
+              </a:rPr>
+              <a:t> </a:t>
+            </a:r>
+            <a:r>
+              <a:rPr lang="en-US" sz="3400" u="none" strike="noStrike" spc="-68" dirty="0" err="1">
+                <a:solidFill>
+                  <a:srgbClr val="000000"/>
+                </a:solidFill>
+                <a:cs typeface="Canva Sans"/>
+                <a:sym typeface="Canva Sans"/>
+              </a:rPr>
+              <a:t>학생.학번</a:t>
+            </a:r>
+            <a:r>
+              <a:rPr lang="en-US" sz="3400" u="none" strike="noStrike" spc="-68" dirty="0">
+                <a:solidFill>
+                  <a:srgbClr val="000000"/>
+                </a:solidFill>
+                <a:cs typeface="Canva Sans"/>
+                <a:sym typeface="Canva Sans"/>
+              </a:rPr>
+              <a:t>, </a:t>
+            </a:r>
+            <a:r>
+              <a:rPr lang="en-US" sz="3400" u="none" strike="noStrike" spc="-68" dirty="0" err="1">
+                <a:solidFill>
+                  <a:srgbClr val="000000"/>
+                </a:solidFill>
+                <a:cs typeface="Canva Sans"/>
+                <a:sym typeface="Canva Sans"/>
+              </a:rPr>
+              <a:t>과목명</a:t>
+            </a:r>
+            <a:r>
+              <a:rPr lang="en-US" sz="3400" u="none" strike="noStrike" spc="-68" dirty="0">
+                <a:solidFill>
+                  <a:srgbClr val="000000"/>
+                </a:solidFill>
+                <a:cs typeface="Canva Sans"/>
+                <a:sym typeface="Canva Sans"/>
+              </a:rPr>
+              <a:t>, </a:t>
+            </a:r>
+            <a:r>
+              <a:rPr lang="en-US" sz="3400" u="none" strike="noStrike" spc="-68" dirty="0" err="1">
+                <a:solidFill>
+                  <a:srgbClr val="000000"/>
+                </a:solidFill>
+                <a:cs typeface="Canva Sans"/>
+                <a:sym typeface="Canva Sans"/>
+              </a:rPr>
+              <a:t>과목.과목코드</a:t>
+            </a:r>
+            <a:r>
+              <a:rPr lang="en-US" sz="3400" u="none" strike="noStrike" spc="-68" dirty="0">
+                <a:solidFill>
+                  <a:srgbClr val="000000"/>
+                </a:solidFill>
+                <a:cs typeface="Canva Sans"/>
+                <a:sym typeface="Canva Sans"/>
+              </a:rPr>
+              <a:t>, </a:t>
+            </a:r>
+            <a:r>
+              <a:rPr lang="en-US" sz="3400" u="none" strike="noStrike" spc="-68" dirty="0" err="1">
+                <a:solidFill>
+                  <a:srgbClr val="000000"/>
+                </a:solidFill>
+                <a:cs typeface="Canva Sans"/>
+                <a:sym typeface="Canva Sans"/>
+              </a:rPr>
+              <a:t>이수구분</a:t>
+            </a:r>
+            <a:r>
+              <a:rPr lang="en-US" sz="3400" u="none" strike="noStrike" spc="-68" dirty="0">
+                <a:solidFill>
+                  <a:srgbClr val="000000"/>
+                </a:solidFill>
+                <a:cs typeface="Canva Sans"/>
+                <a:sym typeface="Canva Sans"/>
+              </a:rPr>
+              <a:t>, </a:t>
+            </a:r>
+            <a:r>
+              <a:rPr lang="en-US" sz="3400" u="none" strike="noStrike" spc="-68" dirty="0" err="1">
+                <a:solidFill>
+                  <a:srgbClr val="000000"/>
+                </a:solidFill>
+                <a:cs typeface="Canva Sans"/>
+                <a:sym typeface="Canva Sans"/>
+              </a:rPr>
+              <a:t>성적</a:t>
+            </a:r>
+            <a:endParaRPr lang="en-US" sz="3400" u="none" strike="noStrike" spc="-68" dirty="0">
+              <a:solidFill>
+                <a:srgbClr val="000000"/>
+              </a:solidFill>
+              <a:cs typeface="Canva Sans"/>
+              <a:sym typeface="Canva Sans"/>
+            </a:endParaRPr>
+          </a:p>
+          <a:p>
+            <a:pPr marL="0" lvl="0" indent="0" algn="l">
+              <a:lnSpc>
+                <a:spcPts val="3788"/>
+              </a:lnSpc>
+              <a:spcBef>
+                <a:spcPct val="0"/>
+              </a:spcBef>
+              <a:defRPr/>
+            </a:pPr>
+            <a:r>
+              <a:rPr lang="en-US" sz="3400" spc="-68" dirty="0">
+                <a:solidFill>
+                  <a:srgbClr val="000000"/>
+                </a:solidFill>
+                <a:cs typeface="Canva Sans"/>
+                <a:sym typeface="Canva Sans"/>
+              </a:rPr>
+              <a:t>FROM</a:t>
+            </a:r>
+            <a:r>
+              <a:rPr lang="en-US" sz="3400" u="none" strike="noStrike" spc="-68" dirty="0">
+                <a:solidFill>
+                  <a:srgbClr val="000000"/>
+                </a:solidFill>
+                <a:cs typeface="Canva Sans"/>
+                <a:sym typeface="Canva Sans"/>
+              </a:rPr>
+              <a:t> </a:t>
+            </a:r>
+            <a:r>
+              <a:rPr lang="en-US" sz="3400" u="none" strike="noStrike" spc="-68" dirty="0" err="1">
+                <a:solidFill>
+                  <a:srgbClr val="000000"/>
+                </a:solidFill>
+                <a:cs typeface="Canva Sans"/>
+                <a:sym typeface="Canva Sans"/>
+              </a:rPr>
+              <a:t>성적</a:t>
+            </a:r>
+            <a:r>
+              <a:rPr lang="en-US" sz="3400" u="none" strike="noStrike" spc="-68" dirty="0">
+                <a:solidFill>
+                  <a:srgbClr val="000000"/>
+                </a:solidFill>
+                <a:cs typeface="Canva Sans"/>
+                <a:sym typeface="Canva Sans"/>
+              </a:rPr>
+              <a:t>, </a:t>
+            </a:r>
+            <a:r>
+              <a:rPr lang="en-US" sz="3400" u="none" strike="noStrike" spc="-68" dirty="0" err="1">
+                <a:solidFill>
+                  <a:srgbClr val="000000"/>
+                </a:solidFill>
+                <a:cs typeface="Canva Sans"/>
+                <a:sym typeface="Canva Sans"/>
+              </a:rPr>
+              <a:t>과목</a:t>
+            </a:r>
+            <a:r>
+              <a:rPr lang="en-US" sz="3400" u="none" strike="noStrike" spc="-68" dirty="0">
+                <a:solidFill>
+                  <a:srgbClr val="000000"/>
+                </a:solidFill>
+                <a:cs typeface="Canva Sans"/>
+                <a:sym typeface="Canva Sans"/>
+              </a:rPr>
+              <a:t>, </a:t>
+            </a:r>
+            <a:r>
+              <a:rPr lang="en-US" sz="3400" u="none" strike="noStrike" spc="-68" dirty="0" err="1">
+                <a:solidFill>
+                  <a:srgbClr val="000000"/>
+                </a:solidFill>
+                <a:cs typeface="Canva Sans"/>
+                <a:sym typeface="Canva Sans"/>
+              </a:rPr>
+              <a:t>학생</a:t>
+            </a:r>
+            <a:endParaRPr lang="en-US" sz="3400" u="none" strike="noStrike" spc="-68" dirty="0">
+              <a:solidFill>
+                <a:srgbClr val="000000"/>
+              </a:solidFill>
+              <a:cs typeface="Canva Sans"/>
+              <a:sym typeface="Canva Sans"/>
+            </a:endParaRPr>
+          </a:p>
+          <a:p>
+            <a:pPr marL="0" lvl="0" indent="0" algn="l">
+              <a:lnSpc>
+                <a:spcPts val="3788"/>
+              </a:lnSpc>
+              <a:spcBef>
+                <a:spcPct val="0"/>
+              </a:spcBef>
+              <a:defRPr/>
+            </a:pPr>
+            <a:r>
+              <a:rPr lang="en-US" sz="3400" u="none" strike="noStrike" spc="-68" dirty="0">
+                <a:solidFill>
+                  <a:srgbClr val="000000"/>
+                </a:solidFill>
+                <a:cs typeface="Canva Sans"/>
+                <a:sym typeface="Canva Sans"/>
+              </a:rPr>
+              <a:t>Where </a:t>
+            </a:r>
+            <a:r>
+              <a:rPr lang="en-US" sz="3400" u="none" strike="noStrike" spc="-68" dirty="0" err="1">
+                <a:solidFill>
+                  <a:srgbClr val="000000"/>
+                </a:solidFill>
+                <a:cs typeface="Canva Sans"/>
+                <a:sym typeface="Canva Sans"/>
+              </a:rPr>
+              <a:t>학생.학번</a:t>
+            </a:r>
+            <a:r>
+              <a:rPr lang="en-US" sz="3400" u="none" strike="noStrike" spc="-68" dirty="0">
+                <a:solidFill>
+                  <a:srgbClr val="000000"/>
+                </a:solidFill>
+                <a:cs typeface="Canva Sans"/>
+                <a:sym typeface="Canva Sans"/>
+              </a:rPr>
+              <a:t> = ‘21101862’ #본인 </a:t>
+            </a:r>
+            <a:r>
+              <a:rPr lang="en-US" sz="3400" u="none" strike="noStrike" spc="-68" dirty="0" err="1">
+                <a:solidFill>
+                  <a:srgbClr val="000000"/>
+                </a:solidFill>
+                <a:cs typeface="Canva Sans"/>
+                <a:sym typeface="Canva Sans"/>
+              </a:rPr>
+              <a:t>학점</a:t>
+            </a:r>
+            <a:r>
+              <a:rPr lang="en-US" sz="3400" u="none" strike="noStrike" spc="-68" dirty="0">
+                <a:solidFill>
+                  <a:srgbClr val="000000"/>
+                </a:solidFill>
+                <a:cs typeface="Canva Sans"/>
+                <a:sym typeface="Canva Sans"/>
+              </a:rPr>
+              <a:t> </a:t>
+            </a:r>
+            <a:r>
+              <a:rPr lang="en-US" sz="3400" u="none" strike="noStrike" spc="-68" dirty="0" err="1">
+                <a:solidFill>
+                  <a:srgbClr val="000000"/>
+                </a:solidFill>
+                <a:cs typeface="Canva Sans"/>
+                <a:sym typeface="Canva Sans"/>
+              </a:rPr>
+              <a:t>넣기</a:t>
+            </a:r>
+            <a:endParaRPr lang="en-US" sz="3400" u="none" strike="noStrike" spc="-68" dirty="0">
+              <a:solidFill>
+                <a:srgbClr val="000000"/>
+              </a:solidFill>
+              <a:cs typeface="Canva Sans"/>
+              <a:sym typeface="Canva Sans"/>
+            </a:endParaRPr>
+          </a:p>
+          <a:p>
+            <a:pPr marL="0" lvl="0" indent="0" algn="l">
+              <a:lnSpc>
+                <a:spcPts val="3788"/>
+              </a:lnSpc>
+              <a:spcBef>
+                <a:spcPct val="0"/>
+              </a:spcBef>
+              <a:defRPr/>
+            </a:pPr>
+            <a:r>
+              <a:rPr lang="en-US" sz="3400" u="none" strike="noStrike" spc="-68" dirty="0">
+                <a:solidFill>
+                  <a:srgbClr val="000000"/>
+                </a:solidFill>
+                <a:cs typeface="Canva Sans"/>
+                <a:sym typeface="Canva Sans"/>
+              </a:rPr>
+              <a:t>AND </a:t>
+            </a:r>
+            <a:r>
+              <a:rPr lang="en-US" sz="3400" u="none" strike="noStrike" spc="-68" dirty="0" err="1">
+                <a:solidFill>
+                  <a:srgbClr val="000000"/>
+                </a:solidFill>
+                <a:cs typeface="Canva Sans"/>
+                <a:sym typeface="Canva Sans"/>
+              </a:rPr>
+              <a:t>학생.학번</a:t>
+            </a:r>
+            <a:r>
+              <a:rPr lang="en-US" sz="3400" u="none" strike="noStrike" spc="-68" dirty="0">
+                <a:solidFill>
+                  <a:srgbClr val="000000"/>
+                </a:solidFill>
+                <a:cs typeface="Canva Sans"/>
+                <a:sym typeface="Canva Sans"/>
+              </a:rPr>
+              <a:t> = </a:t>
+            </a:r>
+            <a:r>
+              <a:rPr lang="en-US" sz="3400" u="none" strike="noStrike" spc="-68" dirty="0" err="1">
+                <a:solidFill>
+                  <a:srgbClr val="000000"/>
+                </a:solidFill>
+                <a:cs typeface="Canva Sans"/>
+                <a:sym typeface="Canva Sans"/>
+              </a:rPr>
+              <a:t>성적.학번</a:t>
+            </a:r>
+            <a:endParaRPr lang="en-US" sz="3400" u="none" strike="noStrike" spc="-68" dirty="0">
+              <a:solidFill>
+                <a:srgbClr val="000000"/>
+              </a:solidFill>
+              <a:cs typeface="Canva Sans"/>
+              <a:sym typeface="Canva Sans"/>
+            </a:endParaRPr>
+          </a:p>
+          <a:p>
+            <a:pPr marL="0" lvl="0" indent="0" algn="l">
+              <a:lnSpc>
+                <a:spcPts val="3788"/>
+              </a:lnSpc>
+              <a:spcBef>
+                <a:spcPct val="0"/>
+              </a:spcBef>
+              <a:defRPr/>
+            </a:pPr>
+            <a:r>
+              <a:rPr lang="en-US" sz="3400" spc="-68" dirty="0">
+                <a:solidFill>
+                  <a:srgbClr val="000000"/>
+                </a:solidFill>
+                <a:cs typeface="Canva Sans"/>
+                <a:sym typeface="Canva Sans"/>
+              </a:rPr>
+              <a:t>AND</a:t>
+            </a:r>
+            <a:r>
+              <a:rPr lang="en-US" sz="3400" u="none" strike="noStrike" spc="-68" dirty="0">
+                <a:solidFill>
+                  <a:srgbClr val="000000"/>
+                </a:solidFill>
+                <a:cs typeface="Canva Sans"/>
+                <a:sym typeface="Canva Sans"/>
+              </a:rPr>
+              <a:t> </a:t>
+            </a:r>
+            <a:r>
+              <a:rPr lang="en-US" sz="3400" u="none" strike="noStrike" spc="-68" dirty="0" err="1">
+                <a:solidFill>
+                  <a:srgbClr val="000000"/>
+                </a:solidFill>
+                <a:cs typeface="Canva Sans"/>
+                <a:sym typeface="Canva Sans"/>
+              </a:rPr>
+              <a:t>과목.과목코드</a:t>
+            </a:r>
+            <a:r>
+              <a:rPr lang="en-US" sz="3400" u="none" strike="noStrike" spc="-68" dirty="0">
+                <a:solidFill>
+                  <a:srgbClr val="000000"/>
+                </a:solidFill>
+                <a:cs typeface="Canva Sans"/>
+                <a:sym typeface="Canva Sans"/>
+              </a:rPr>
+              <a:t> = </a:t>
+            </a:r>
+            <a:r>
+              <a:rPr lang="en-US" sz="3400" u="none" strike="noStrike" spc="-68" dirty="0" err="1">
+                <a:solidFill>
+                  <a:srgbClr val="000000"/>
+                </a:solidFill>
+                <a:cs typeface="Canva Sans"/>
+                <a:sym typeface="Canva Sans"/>
+              </a:rPr>
+              <a:t>성적.과목코드</a:t>
+            </a:r>
+            <a:r>
+              <a:rPr lang="en-US" sz="3400" u="none" strike="noStrike" spc="-68" dirty="0">
+                <a:solidFill>
+                  <a:srgbClr val="000000"/>
+                </a:solidFill>
+                <a:cs typeface="Canva Sans"/>
+                <a:sym typeface="Canva Sans"/>
+              </a:rPr>
+              <a:t>;</a:t>
+            </a:r>
+            <a:endParaRPr lang="ko-KR" altLang="en-US" sz="3400" dirty="0"/>
+          </a:p>
+        </p:txBody>
+      </p:sp>
+      <p:sp>
+        <p:nvSpPr>
+          <p:cNvPr id="4" name="TextBox 3">
+            <a:extLst>
+              <a:ext uri="{FF2B5EF4-FFF2-40B4-BE49-F238E27FC236}">
+                <a16:creationId xmlns:a16="http://schemas.microsoft.com/office/drawing/2014/main" id="{EBDD6FA6-E94A-21D5-6835-122B398F04EC}"/>
+              </a:ext>
+            </a:extLst>
+          </p:cNvPr>
+          <p:cNvSpPr txBox="1"/>
+          <p:nvPr/>
+        </p:nvSpPr>
+        <p:spPr>
+          <a:xfrm>
+            <a:off x="9144000" y="2498673"/>
+            <a:ext cx="9144000" cy="6555641"/>
+          </a:xfrm>
+          <a:prstGeom prst="rect">
+            <a:avLst/>
+          </a:prstGeom>
+          <a:noFill/>
+        </p:spPr>
+        <p:txBody>
+          <a:bodyPr wrap="square" rtlCol="0">
+            <a:spAutoFit/>
+          </a:bodyPr>
+          <a:lstStyle/>
+          <a:p>
+            <a:r>
+              <a:rPr lang="en-US" altLang="ko-KR" sz="2800" dirty="0">
+                <a:ea typeface="+mj-ea"/>
+              </a:rPr>
+              <a:t>SELECT </a:t>
+            </a:r>
+            <a:r>
+              <a:rPr lang="ko-KR" altLang="en-US" sz="2800" dirty="0">
+                <a:ea typeface="+mj-ea"/>
+              </a:rPr>
+              <a:t>학생</a:t>
+            </a:r>
+            <a:r>
+              <a:rPr lang="en-US" altLang="ko-KR" sz="2800" dirty="0">
+                <a:ea typeface="+mj-ea"/>
+              </a:rPr>
+              <a:t>.</a:t>
+            </a:r>
+            <a:r>
+              <a:rPr lang="ko-KR" altLang="en-US" sz="2800" dirty="0">
+                <a:ea typeface="+mj-ea"/>
+              </a:rPr>
+              <a:t>이름</a:t>
+            </a:r>
+            <a:r>
+              <a:rPr lang="en-US" altLang="ko-KR" sz="2800" dirty="0">
+                <a:ea typeface="+mj-ea"/>
+              </a:rPr>
+              <a:t>, </a:t>
+            </a:r>
+            <a:r>
+              <a:rPr lang="ko-KR" altLang="en-US" sz="2800" dirty="0">
+                <a:ea typeface="+mj-ea"/>
+              </a:rPr>
+              <a:t>학생</a:t>
+            </a:r>
+            <a:r>
+              <a:rPr lang="en-US" altLang="ko-KR" sz="2800" dirty="0">
+                <a:ea typeface="+mj-ea"/>
+              </a:rPr>
+              <a:t>.</a:t>
+            </a:r>
+            <a:r>
+              <a:rPr lang="ko-KR" altLang="en-US" sz="2800" dirty="0">
+                <a:ea typeface="+mj-ea"/>
+              </a:rPr>
+              <a:t>학번</a:t>
+            </a:r>
+            <a:r>
+              <a:rPr lang="en-US" altLang="ko-KR" sz="2800" dirty="0">
+                <a:ea typeface="+mj-ea"/>
+              </a:rPr>
+              <a:t>, </a:t>
+            </a:r>
+            <a:r>
+              <a:rPr lang="ko-KR" altLang="en-US" sz="2800" dirty="0">
+                <a:ea typeface="+mj-ea"/>
+              </a:rPr>
+              <a:t>시간표</a:t>
+            </a:r>
+            <a:r>
+              <a:rPr lang="en-US" altLang="ko-KR" sz="2800" dirty="0">
+                <a:ea typeface="+mj-ea"/>
+              </a:rPr>
+              <a:t>.</a:t>
+            </a:r>
+            <a:r>
+              <a:rPr lang="ko-KR" altLang="en-US" sz="2800" dirty="0">
+                <a:ea typeface="+mj-ea"/>
+              </a:rPr>
+              <a:t>요일</a:t>
+            </a:r>
+            <a:r>
+              <a:rPr lang="en-US" altLang="ko-KR" sz="2800" dirty="0">
+                <a:ea typeface="+mj-ea"/>
+              </a:rPr>
+              <a:t>, </a:t>
+            </a:r>
+            <a:r>
+              <a:rPr lang="ko-KR" altLang="en-US" sz="2800" dirty="0">
+                <a:ea typeface="+mj-ea"/>
+              </a:rPr>
+              <a:t>시간표</a:t>
+            </a:r>
+            <a:r>
+              <a:rPr lang="en-US" altLang="ko-KR" sz="2800" dirty="0">
+                <a:ea typeface="+mj-ea"/>
+              </a:rPr>
+              <a:t>.</a:t>
+            </a:r>
+            <a:r>
+              <a:rPr lang="ko-KR" altLang="en-US" sz="2800" dirty="0">
+                <a:ea typeface="+mj-ea"/>
+              </a:rPr>
+              <a:t>시작시간</a:t>
+            </a:r>
+            <a:r>
+              <a:rPr lang="en-US" altLang="ko-KR" sz="2800" dirty="0">
+                <a:ea typeface="+mj-ea"/>
+              </a:rPr>
+              <a:t>, </a:t>
+            </a:r>
+            <a:r>
+              <a:rPr lang="ko-KR" altLang="en-US" sz="2800" dirty="0">
+                <a:ea typeface="+mj-ea"/>
+              </a:rPr>
+              <a:t>시간표</a:t>
+            </a:r>
+            <a:r>
+              <a:rPr lang="en-US" altLang="ko-KR" sz="2800" dirty="0">
+                <a:ea typeface="+mj-ea"/>
+              </a:rPr>
+              <a:t>.</a:t>
+            </a:r>
+            <a:r>
+              <a:rPr lang="ko-KR" altLang="en-US" sz="2800" dirty="0">
+                <a:ea typeface="+mj-ea"/>
+              </a:rPr>
+              <a:t>종료시간</a:t>
+            </a:r>
+            <a:r>
+              <a:rPr lang="en-US" altLang="ko-KR" sz="2800" dirty="0">
+                <a:ea typeface="+mj-ea"/>
+              </a:rPr>
+              <a:t>, </a:t>
+            </a:r>
+            <a:r>
+              <a:rPr lang="ko-KR" altLang="en-US" sz="2800" dirty="0">
+                <a:ea typeface="+mj-ea"/>
+              </a:rPr>
+              <a:t>과목</a:t>
+            </a:r>
+            <a:r>
+              <a:rPr lang="en-US" altLang="ko-KR" sz="2800" dirty="0">
+                <a:ea typeface="+mj-ea"/>
+              </a:rPr>
+              <a:t>.</a:t>
+            </a:r>
+            <a:r>
+              <a:rPr lang="ko-KR" altLang="en-US" sz="2800" dirty="0">
+                <a:ea typeface="+mj-ea"/>
+              </a:rPr>
+              <a:t>과목명</a:t>
+            </a:r>
+            <a:endParaRPr lang="en-US" altLang="ko-KR" sz="2800" dirty="0">
+              <a:ea typeface="+mj-ea"/>
+            </a:endParaRPr>
+          </a:p>
+          <a:p>
+            <a:r>
+              <a:rPr lang="en-US" altLang="ko-KR" sz="2800" dirty="0">
+                <a:ea typeface="+mj-ea"/>
+              </a:rPr>
+              <a:t>FROM </a:t>
+            </a:r>
+            <a:r>
+              <a:rPr lang="ko-KR" altLang="en-US" sz="2800" dirty="0">
+                <a:ea typeface="+mj-ea"/>
+              </a:rPr>
+              <a:t>학생</a:t>
+            </a:r>
+            <a:r>
+              <a:rPr lang="en-US" altLang="ko-KR" sz="2800" dirty="0">
+                <a:ea typeface="+mj-ea"/>
+              </a:rPr>
+              <a:t>, </a:t>
+            </a:r>
+            <a:r>
+              <a:rPr lang="ko-KR" altLang="en-US" sz="2800" dirty="0">
+                <a:ea typeface="+mj-ea"/>
+              </a:rPr>
+              <a:t>시간표</a:t>
+            </a:r>
+            <a:r>
+              <a:rPr lang="en-US" altLang="ko-KR" sz="2800" dirty="0">
+                <a:ea typeface="+mj-ea"/>
+              </a:rPr>
+              <a:t>, </a:t>
+            </a:r>
+            <a:r>
+              <a:rPr lang="ko-KR" altLang="en-US" sz="2800" dirty="0">
+                <a:ea typeface="+mj-ea"/>
+              </a:rPr>
+              <a:t>과목</a:t>
+            </a:r>
+            <a:endParaRPr lang="en-US" altLang="ko-KR" sz="2800" dirty="0">
+              <a:ea typeface="+mj-ea"/>
+            </a:endParaRPr>
+          </a:p>
+          <a:p>
+            <a:r>
+              <a:rPr lang="en-US" altLang="ko-KR" sz="2800" dirty="0">
+                <a:ea typeface="+mj-ea"/>
+              </a:rPr>
+              <a:t>WHERE </a:t>
+            </a:r>
+            <a:r>
+              <a:rPr lang="ko-KR" altLang="en-US" sz="2800" dirty="0">
+                <a:ea typeface="+mj-ea"/>
+              </a:rPr>
+              <a:t>학생</a:t>
+            </a:r>
+            <a:r>
+              <a:rPr lang="en-US" altLang="ko-KR" sz="2800" dirty="0">
+                <a:ea typeface="+mj-ea"/>
+              </a:rPr>
+              <a:t>.</a:t>
+            </a:r>
+            <a:r>
+              <a:rPr lang="ko-KR" altLang="en-US" sz="2800" dirty="0">
+                <a:ea typeface="+mj-ea"/>
+              </a:rPr>
+              <a:t>학번 </a:t>
+            </a:r>
+            <a:r>
+              <a:rPr lang="en-US" altLang="ko-KR" sz="2800" dirty="0">
+                <a:ea typeface="+mj-ea"/>
+              </a:rPr>
+              <a:t>= ‘21101862’ #</a:t>
+            </a:r>
+            <a:r>
+              <a:rPr lang="ko-KR" altLang="en-US" sz="2800" dirty="0">
+                <a:ea typeface="+mj-ea"/>
+              </a:rPr>
+              <a:t>본인 학점 넣기</a:t>
+            </a:r>
+            <a:endParaRPr lang="en-US" altLang="ko-KR" sz="2800" dirty="0">
+              <a:ea typeface="+mj-ea"/>
+            </a:endParaRPr>
+          </a:p>
+          <a:p>
+            <a:r>
+              <a:rPr lang="en-US" altLang="ko-KR" sz="2800" dirty="0">
+                <a:ea typeface="+mj-ea"/>
+              </a:rPr>
+              <a:t>AND </a:t>
+            </a:r>
+            <a:r>
+              <a:rPr lang="ko-KR" altLang="en-US" sz="2800" dirty="0">
+                <a:ea typeface="+mj-ea"/>
+              </a:rPr>
+              <a:t>학생</a:t>
+            </a:r>
+            <a:r>
+              <a:rPr lang="en-US" altLang="ko-KR" sz="2800" dirty="0">
+                <a:ea typeface="+mj-ea"/>
+              </a:rPr>
+              <a:t>.</a:t>
+            </a:r>
+            <a:r>
+              <a:rPr lang="ko-KR" altLang="en-US" sz="2800" dirty="0">
+                <a:ea typeface="+mj-ea"/>
+              </a:rPr>
+              <a:t>이름 </a:t>
+            </a:r>
+            <a:r>
+              <a:rPr lang="en-US" altLang="ko-KR" sz="2800" dirty="0">
+                <a:ea typeface="+mj-ea"/>
+              </a:rPr>
+              <a:t>= ‘</a:t>
+            </a:r>
+            <a:r>
+              <a:rPr lang="ko-KR" altLang="en-US" sz="2800" dirty="0">
+                <a:ea typeface="+mj-ea"/>
+              </a:rPr>
+              <a:t>천민기</a:t>
+            </a:r>
+            <a:r>
+              <a:rPr lang="en-US" altLang="ko-KR" sz="2800" dirty="0">
+                <a:ea typeface="+mj-ea"/>
+              </a:rPr>
+              <a:t>’ #</a:t>
+            </a:r>
+            <a:r>
+              <a:rPr lang="ko-KR" altLang="en-US" sz="2800" dirty="0">
+                <a:ea typeface="+mj-ea"/>
+              </a:rPr>
+              <a:t>본인 이름 넣기</a:t>
+            </a:r>
+            <a:endParaRPr lang="en-US" altLang="ko-KR" sz="2800" dirty="0">
+              <a:ea typeface="+mj-ea"/>
+            </a:endParaRPr>
+          </a:p>
+          <a:p>
+            <a:r>
+              <a:rPr lang="en-US" altLang="ko-KR" sz="2800" dirty="0">
+                <a:ea typeface="+mj-ea"/>
+              </a:rPr>
+              <a:t>AND </a:t>
+            </a:r>
+            <a:r>
+              <a:rPr lang="ko-KR" altLang="en-US" sz="2800" dirty="0">
+                <a:ea typeface="+mj-ea"/>
+              </a:rPr>
+              <a:t>학생</a:t>
+            </a:r>
+            <a:r>
+              <a:rPr lang="en-US" altLang="ko-KR" sz="2800" dirty="0">
+                <a:ea typeface="+mj-ea"/>
+              </a:rPr>
+              <a:t>.</a:t>
+            </a:r>
+            <a:r>
+              <a:rPr lang="ko-KR" altLang="en-US" sz="2800" dirty="0">
+                <a:ea typeface="+mj-ea"/>
+              </a:rPr>
+              <a:t>학번 </a:t>
+            </a:r>
+            <a:r>
+              <a:rPr lang="en-US" altLang="ko-KR" sz="2800" dirty="0">
+                <a:ea typeface="+mj-ea"/>
+              </a:rPr>
+              <a:t>= </a:t>
+            </a:r>
+            <a:r>
+              <a:rPr lang="ko-KR" altLang="en-US" sz="2800" dirty="0">
+                <a:ea typeface="+mj-ea"/>
+              </a:rPr>
+              <a:t>시간표</a:t>
+            </a:r>
+            <a:r>
+              <a:rPr lang="en-US" altLang="ko-KR" sz="2800" dirty="0">
+                <a:ea typeface="+mj-ea"/>
+              </a:rPr>
+              <a:t>.</a:t>
+            </a:r>
+            <a:r>
+              <a:rPr lang="ko-KR" altLang="en-US" sz="2800" dirty="0">
+                <a:ea typeface="+mj-ea"/>
+              </a:rPr>
+              <a:t>학번</a:t>
+            </a:r>
+            <a:endParaRPr lang="en-US" altLang="ko-KR" sz="2800" dirty="0">
+              <a:ea typeface="+mj-ea"/>
+            </a:endParaRPr>
+          </a:p>
+          <a:p>
+            <a:r>
+              <a:rPr lang="en-US" altLang="ko-KR" sz="2800" dirty="0">
+                <a:ea typeface="+mj-ea"/>
+              </a:rPr>
+              <a:t>AND </a:t>
+            </a:r>
+            <a:r>
+              <a:rPr lang="ko-KR" altLang="en-US" sz="2800" dirty="0">
+                <a:ea typeface="+mj-ea"/>
+              </a:rPr>
+              <a:t>과목</a:t>
+            </a:r>
+            <a:r>
+              <a:rPr lang="en-US" altLang="ko-KR" sz="2800" dirty="0">
+                <a:ea typeface="+mj-ea"/>
+              </a:rPr>
+              <a:t>.</a:t>
+            </a:r>
+            <a:r>
+              <a:rPr lang="ko-KR" altLang="en-US" sz="2800" dirty="0">
+                <a:ea typeface="+mj-ea"/>
+              </a:rPr>
+              <a:t>과목코드 </a:t>
+            </a:r>
+            <a:r>
+              <a:rPr lang="en-US" altLang="ko-KR" sz="2800" dirty="0">
+                <a:ea typeface="+mj-ea"/>
+              </a:rPr>
+              <a:t>= </a:t>
+            </a:r>
+            <a:r>
+              <a:rPr lang="ko-KR" altLang="en-US" sz="2800" dirty="0">
+                <a:ea typeface="+mj-ea"/>
+              </a:rPr>
+              <a:t>시간표</a:t>
+            </a:r>
+            <a:r>
+              <a:rPr lang="en-US" altLang="ko-KR" sz="2800" dirty="0">
+                <a:ea typeface="+mj-ea"/>
+              </a:rPr>
+              <a:t>.</a:t>
+            </a:r>
+            <a:r>
+              <a:rPr lang="ko-KR" altLang="en-US" sz="2800" dirty="0">
+                <a:ea typeface="+mj-ea"/>
+              </a:rPr>
+              <a:t>과목코드</a:t>
+            </a:r>
+            <a:endParaRPr lang="en-US" altLang="ko-KR" sz="2800" dirty="0">
+              <a:ea typeface="+mj-ea"/>
+            </a:endParaRPr>
+          </a:p>
+          <a:p>
+            <a:r>
+              <a:rPr lang="en-US" altLang="ko-KR" sz="2800" dirty="0">
+                <a:ea typeface="+mj-ea"/>
+              </a:rPr>
+              <a:t>ORDER BY CASE </a:t>
+            </a:r>
+            <a:r>
+              <a:rPr lang="ko-KR" altLang="en-US" sz="2800" dirty="0">
+                <a:ea typeface="+mj-ea"/>
+              </a:rPr>
+              <a:t>시간표</a:t>
+            </a:r>
+            <a:r>
+              <a:rPr lang="en-US" altLang="ko-KR" sz="2800" dirty="0">
+                <a:ea typeface="+mj-ea"/>
+              </a:rPr>
+              <a:t>.</a:t>
+            </a:r>
+            <a:r>
+              <a:rPr lang="ko-KR" altLang="en-US" sz="2800" dirty="0">
+                <a:ea typeface="+mj-ea"/>
+              </a:rPr>
+              <a:t>요일</a:t>
+            </a:r>
+            <a:endParaRPr lang="en-US" altLang="ko-KR" sz="2800" dirty="0">
+              <a:ea typeface="+mj-ea"/>
+            </a:endParaRPr>
+          </a:p>
+          <a:p>
+            <a:r>
+              <a:rPr lang="en-US" altLang="ko-KR" sz="2800" dirty="0">
+                <a:ea typeface="+mj-ea"/>
+              </a:rPr>
+              <a:t>	WHEN  ‘</a:t>
+            </a:r>
+            <a:r>
+              <a:rPr lang="ko-KR" altLang="en-US" sz="2800" dirty="0">
+                <a:ea typeface="+mj-ea"/>
+              </a:rPr>
+              <a:t>월요일</a:t>
+            </a:r>
+            <a:r>
+              <a:rPr lang="en-US" altLang="ko-KR" sz="2800" dirty="0">
+                <a:ea typeface="+mj-ea"/>
+              </a:rPr>
+              <a:t>’ THEN 1</a:t>
+            </a:r>
+          </a:p>
+          <a:p>
+            <a:r>
+              <a:rPr lang="en-US" altLang="ko-KR" sz="2800" dirty="0">
+                <a:ea typeface="+mj-ea"/>
+              </a:rPr>
+              <a:t>	WHEN  ‘</a:t>
+            </a:r>
+            <a:r>
+              <a:rPr lang="ko-KR" altLang="en-US" sz="2800" dirty="0">
+                <a:ea typeface="+mj-ea"/>
+              </a:rPr>
+              <a:t>화요일</a:t>
+            </a:r>
+            <a:r>
+              <a:rPr lang="en-US" altLang="ko-KR" sz="2800" dirty="0">
+                <a:ea typeface="+mj-ea"/>
+              </a:rPr>
+              <a:t>’ THEN 2</a:t>
+            </a:r>
+          </a:p>
+          <a:p>
+            <a:r>
+              <a:rPr lang="en-US" altLang="ko-KR" sz="2800" dirty="0">
+                <a:ea typeface="+mj-ea"/>
+              </a:rPr>
+              <a:t>	WHEN  ‘</a:t>
+            </a:r>
+            <a:r>
+              <a:rPr lang="ko-KR" altLang="en-US" sz="2800" dirty="0">
+                <a:ea typeface="+mj-ea"/>
+              </a:rPr>
+              <a:t>수요일</a:t>
+            </a:r>
+            <a:r>
+              <a:rPr lang="en-US" altLang="ko-KR" sz="2800" dirty="0">
+                <a:ea typeface="+mj-ea"/>
+              </a:rPr>
+              <a:t>’ THEN 3</a:t>
+            </a:r>
+          </a:p>
+          <a:p>
+            <a:r>
+              <a:rPr lang="en-US" altLang="ko-KR" sz="2800" dirty="0">
+                <a:ea typeface="+mj-ea"/>
+              </a:rPr>
+              <a:t>	WHEN  ‘</a:t>
+            </a:r>
+            <a:r>
+              <a:rPr lang="ko-KR" altLang="en-US" sz="2800" dirty="0">
+                <a:ea typeface="+mj-ea"/>
+              </a:rPr>
+              <a:t>목요일</a:t>
+            </a:r>
+            <a:r>
+              <a:rPr lang="en-US" altLang="ko-KR" sz="2800" dirty="0">
+                <a:ea typeface="+mj-ea"/>
+              </a:rPr>
+              <a:t>’ THEN 4</a:t>
+            </a:r>
+          </a:p>
+          <a:p>
+            <a:r>
+              <a:rPr lang="en-US" altLang="ko-KR" sz="2800" dirty="0">
+                <a:ea typeface="+mj-ea"/>
+              </a:rPr>
+              <a:t>	WHEN  ‘</a:t>
+            </a:r>
+            <a:r>
+              <a:rPr lang="ko-KR" altLang="en-US" sz="2800" dirty="0">
+                <a:ea typeface="+mj-ea"/>
+              </a:rPr>
+              <a:t>금요일</a:t>
+            </a:r>
+            <a:r>
+              <a:rPr lang="en-US" altLang="ko-KR" sz="2800" dirty="0">
+                <a:ea typeface="+mj-ea"/>
+              </a:rPr>
+              <a:t>‘ THEN 5</a:t>
+            </a:r>
+          </a:p>
+          <a:p>
+            <a:r>
+              <a:rPr lang="en-US" altLang="ko-KR" sz="2800" dirty="0">
+                <a:ea typeface="+mj-ea"/>
+              </a:rPr>
+              <a:t>	ELSE 6</a:t>
+            </a:r>
+          </a:p>
+          <a:p>
+            <a:r>
+              <a:rPr lang="en-US" altLang="ko-KR" sz="2800" dirty="0">
+                <a:ea typeface="+mj-ea"/>
+              </a:rPr>
+              <a:t>	END;</a:t>
+            </a:r>
+            <a:endParaRPr lang="ko-KR" altLang="en-US" sz="2800" dirty="0">
+              <a:ea typeface="+mj-ea"/>
+            </a:endParaRPr>
           </a:p>
         </p:txBody>
       </p:sp>
@@ -14403,59 +14550,6 @@
       </p:grpSpPr>
       <p:sp>
         <p:nvSpPr>
-          <p:cNvPr id="2" name="Freeform 2"/>
-          <p:cNvSpPr/>
-          <p:nvPr/>
-        </p:nvSpPr>
-        <p:spPr>
-          <a:xfrm>
-            <a:off x="2041118" y="1638300"/>
-            <a:ext cx="14205763" cy="6096000"/>
-          </a:xfrm>
-          <a:custGeom>
-            <a:avLst/>
-            <a:gdLst/>
-            <a:ahLst/>
-            <a:cxnLst/>
-            <a:rect l="l" t="t" r="r" b="b"/>
-            <a:pathLst>
-              <a:path w="17010657" h="7056160">
-                <a:moveTo>
-                  <a:pt x="0" y="0"/>
-                </a:moveTo>
-                <a:lnTo>
-                  <a:pt x="17010656" y="0"/>
-                </a:lnTo>
-                <a:lnTo>
-                  <a:pt x="17010656" y="7056160"/>
-                </a:lnTo>
-                <a:lnTo>
-                  <a:pt x="0" y="7056160"/>
-                </a:lnTo>
-                <a:lnTo>
-                  <a:pt x="0" y="0"/>
-                </a:lnTo>
-                <a:close/>
-              </a:path>
-            </a:pathLst>
-          </a:custGeom>
-          <a:blipFill>
-            <a:blip r:embed="rId2"/>
-            <a:stretch>
-              <a:fillRect/>
-            </a:stretch>
-          </a:blipFill>
-        </p:spPr>
-        <p:txBody>
-          <a:bodyPr/>
-          <a:lstStyle/>
-          <a:p>
-            <a:endParaRPr lang="ko-KR" altLang="en-US"/>
-          </a:p>
-        </p:txBody>
-      </p:sp>
-      <p:sp>
-        <p:nvSpPr>
           <p:cNvPr id="3" name="TextBox 3"/>
           <p:cNvSpPr txBox="1"/>
           <p:nvPr/>
@@ -14531,6 +14625,30 @@
           </a:p>
         </p:txBody>
       </p:sp>
+      <p:pic>
+        <p:nvPicPr>
+          <p:cNvPr id="4" name="그림 3"/>
+          <p:cNvPicPr>
+            <a:picLocks noChangeAspect="1"/>
+          </p:cNvPicPr>
+          <p:nvPr/>
+        </p:nvPicPr>
+        <p:blipFill rotWithShape="1">
+          <a:blip r:embed="rId2"/>
+          <a:stretch>
+            <a:fillRect/>
+          </a:stretch>
+        </p:blipFill>
+        <p:spPr>
+          <a:xfrm>
+            <a:off x="914400" y="1485900"/>
+            <a:ext cx="16840200" cy="7703820"/>
+          </a:xfrm>
+          <a:prstGeom prst="rect">
+            <a:avLst/>
+          </a:prstGeom>
+        </p:spPr>
+      </p:pic>
     </p:spTree>
   </p:cSld>
   <p:clrMapOvr>
@@ -14544,13 +14662,7 @@
   <p:cSld>
     <p:spTree>
       <p:nvGrpSpPr>
-        <p:cNvPr id="1" name="">
-          <a:extLst>
-            <a:ext uri="{FF2B5EF4-FFF2-40B4-BE49-F238E27FC236}">
-              <a16:creationId xmlns:a16="http://schemas.microsoft.com/office/drawing/2014/main" id="{C997C28C-B73D-4F2D-F228-85F9425A0987}"/>
-            </a:ext>
-          </a:extLst>
-        </p:cNvPr>
+        <p:cNvPr id="1" name=""/>
         <p:cNvGrpSpPr/>
         <p:nvPr/>
       </p:nvGrpSpPr>
@@ -15810,170 +15922,110 @@
           <a:lstStyle/>
           <a:p>
             <a:r>
-              <a:rPr lang="ko-KR" altLang="en-US" sz="2400" dirty="0">
-                <a:latin typeface="+mn-ea"/>
-              </a:rPr>
+              <a:rPr lang="ko-KR" altLang="en-US" sz="2400" dirty="0"/>
               <a:t>천민기 </a:t>
             </a:r>
             <a:r>
-              <a:rPr lang="en-US" altLang="ko-KR" sz="2400" dirty="0">
-                <a:latin typeface="+mn-ea"/>
-              </a:rPr>
+              <a:rPr lang="en-US" altLang="ko-KR" sz="2400" dirty="0"/>
               <a:t>: </a:t>
             </a:r>
             <a:r>
-              <a:rPr lang="ko-KR" altLang="en-US" sz="2400" dirty="0">
-                <a:latin typeface="+mn-ea"/>
-              </a:rPr>
+              <a:rPr lang="ko-KR" altLang="en-US" sz="2400" dirty="0"/>
               <a:t>진로를 데이터 쪽으로 가려고 하고 있고 </a:t>
             </a:r>
             <a:r>
-              <a:rPr lang="en-US" altLang="ko-KR" sz="2400" dirty="0">
-                <a:latin typeface="+mn-ea"/>
-              </a:rPr>
-              <a:t>SQLD, </a:t>
-            </a:r>
-            <a:r>
-              <a:rPr lang="en-US" altLang="ko-KR" sz="2400" dirty="0" err="1">
-                <a:latin typeface="+mn-ea"/>
-              </a:rPr>
-              <a:t>ADsP</a:t>
-            </a:r>
-            <a:r>
-              <a:rPr lang="ko-KR" altLang="en-US" sz="2400" dirty="0">
-                <a:latin typeface="+mn-ea"/>
-              </a:rPr>
-              <a:t>자격증도 따고 싶어서 동아리 데이터베이스에 참여하게 되었습니다</a:t>
-            </a:r>
-            <a:r>
-              <a:rPr lang="en-US" altLang="ko-KR" sz="2400" dirty="0">
-                <a:latin typeface="+mn-ea"/>
-              </a:rPr>
+              <a:rPr lang="en-US" altLang="ko-KR" sz="2400" dirty="0"/>
+              <a:t>SQLD </a:t>
+            </a:r>
+            <a:r>
+              <a:rPr lang="ko-KR" altLang="en-US" sz="2400" dirty="0"/>
+              <a:t>자격증도 따는데 도움이 될 것 같아서 동아리 데이터베이스에 참여하게 되었습니다</a:t>
+            </a:r>
+            <a:r>
+              <a:rPr lang="en-US" altLang="ko-KR" sz="2400" dirty="0"/>
               <a:t>. 13</a:t>
             </a:r>
             <a:r>
-              <a:rPr lang="ko-KR" altLang="en-US" sz="2400" dirty="0">
-                <a:latin typeface="+mn-ea"/>
-              </a:rPr>
+              <a:rPr lang="ko-KR" altLang="en-US" sz="2400" dirty="0"/>
               <a:t>주 동안 데이터베이스를 배우고 프로젝트를 하면서 많은 지식을 얻게 되었습니다</a:t>
             </a:r>
             <a:r>
-              <a:rPr lang="en-US" altLang="ko-KR" sz="2400" dirty="0">
-                <a:latin typeface="+mn-ea"/>
-              </a:rPr>
+              <a:rPr lang="en-US" altLang="ko-KR" sz="2400" dirty="0"/>
               <a:t>. </a:t>
             </a:r>
             <a:r>
-              <a:rPr lang="ko-KR" altLang="en-US" sz="2400" dirty="0">
-                <a:latin typeface="+mn-ea"/>
-              </a:rPr>
+              <a:rPr lang="ko-KR" altLang="en-US" sz="2400" dirty="0"/>
               <a:t>데이터베이스 이론인 </a:t>
             </a:r>
             <a:r>
-              <a:rPr lang="en-US" altLang="ko-KR" sz="2400" dirty="0">
-                <a:latin typeface="+mn-ea"/>
-              </a:rPr>
+              <a:rPr lang="en-US" altLang="ko-KR" sz="2400" dirty="0"/>
               <a:t>E-R </a:t>
             </a:r>
             <a:r>
-              <a:rPr lang="ko-KR" altLang="en-US" sz="2400" dirty="0">
-                <a:latin typeface="+mn-ea"/>
-              </a:rPr>
+              <a:rPr lang="ko-KR" altLang="en-US" sz="2400" dirty="0"/>
               <a:t>다이어그램</a:t>
             </a:r>
             <a:r>
-              <a:rPr lang="en-US" altLang="ko-KR" sz="2400" dirty="0">
-                <a:latin typeface="+mn-ea"/>
-              </a:rPr>
+              <a:rPr lang="en-US" altLang="ko-KR" sz="2400" dirty="0"/>
               <a:t>, </a:t>
             </a:r>
             <a:r>
-              <a:rPr lang="ko-KR" altLang="en-US" sz="2400" dirty="0">
-                <a:latin typeface="+mn-ea"/>
-              </a:rPr>
+              <a:rPr lang="ko-KR" altLang="en-US" sz="2400" dirty="0"/>
               <a:t>키 종류</a:t>
             </a:r>
             <a:r>
-              <a:rPr lang="en-US" altLang="ko-KR" sz="2400" dirty="0">
-                <a:latin typeface="+mn-ea"/>
-              </a:rPr>
+              <a:rPr lang="en-US" altLang="ko-KR" sz="2400" dirty="0"/>
               <a:t>, SQL</a:t>
             </a:r>
             <a:r>
-              <a:rPr lang="ko-KR" altLang="en-US" sz="2400" dirty="0">
-                <a:latin typeface="+mn-ea"/>
-              </a:rPr>
+              <a:rPr lang="ko-KR" altLang="en-US" sz="2400" dirty="0"/>
               <a:t>쿼리문은 예습을 하면서 데이터베이스 수업에 도움이 되었습니다</a:t>
             </a:r>
             <a:r>
-              <a:rPr lang="en-US" altLang="ko-KR" sz="2400" dirty="0">
-                <a:latin typeface="+mn-ea"/>
-              </a:rPr>
+              <a:rPr lang="en-US" altLang="ko-KR" sz="2400" dirty="0"/>
               <a:t>. </a:t>
             </a:r>
             <a:r>
-              <a:rPr lang="ko-KR" altLang="en-US" sz="2400" dirty="0">
-                <a:latin typeface="+mn-ea"/>
-              </a:rPr>
+              <a:rPr lang="ko-KR" altLang="en-US" sz="2400" dirty="0"/>
               <a:t>그로 인해 중간고사에서도 </a:t>
             </a:r>
             <a:r>
-              <a:rPr lang="en-US" altLang="ko-KR" sz="2400" dirty="0">
-                <a:latin typeface="+mn-ea"/>
-              </a:rPr>
+              <a:rPr lang="en-US" altLang="ko-KR" sz="2400" dirty="0"/>
               <a:t>93</a:t>
             </a:r>
             <a:r>
-              <a:rPr lang="ko-KR" altLang="en-US" sz="2400" dirty="0">
-                <a:latin typeface="+mn-ea"/>
-              </a:rPr>
+              <a:rPr lang="ko-KR" altLang="en-US" sz="2400" dirty="0"/>
               <a:t>점이라는 좋은 점수를 맞게 되었습니다</a:t>
             </a:r>
             <a:r>
-              <a:rPr lang="en-US" altLang="ko-KR" sz="2400" dirty="0">
-                <a:latin typeface="+mn-ea"/>
-              </a:rPr>
+              <a:rPr lang="en-US" altLang="ko-KR" sz="2400" dirty="0"/>
               <a:t>. 13</a:t>
             </a:r>
             <a:r>
-              <a:rPr lang="ko-KR" altLang="en-US" sz="2400" dirty="0">
-                <a:latin typeface="+mn-ea"/>
-              </a:rPr>
+              <a:rPr lang="ko-KR" altLang="en-US" sz="2400" dirty="0"/>
               <a:t>주 동안 배운 지식을 토대로 자격증 합격에 도전하고 내년에 배울 </a:t>
             </a:r>
             <a:r>
-              <a:rPr lang="en-US" altLang="ko-KR" sz="2400" dirty="0">
-                <a:latin typeface="+mn-ea"/>
-              </a:rPr>
+              <a:rPr lang="en-US" altLang="ko-KR" sz="2400" dirty="0"/>
               <a:t>Oracle</a:t>
             </a:r>
             <a:r>
-              <a:rPr lang="ko-KR" altLang="en-US" sz="2400" dirty="0">
-                <a:latin typeface="+mn-ea"/>
-              </a:rPr>
+              <a:rPr lang="ko-KR" altLang="en-US" sz="2400" dirty="0"/>
               <a:t>을 미리 독학해볼 생각입니다</a:t>
             </a:r>
             <a:r>
-              <a:rPr lang="en-US" altLang="ko-KR" sz="2400" dirty="0">
-                <a:latin typeface="+mn-ea"/>
-              </a:rPr>
+              <a:rPr lang="en-US" altLang="ko-KR" sz="2400" dirty="0"/>
               <a:t>. </a:t>
             </a:r>
             <a:r>
-              <a:rPr lang="ko-KR" altLang="en-US" sz="2400" dirty="0">
-                <a:latin typeface="+mn-ea"/>
-              </a:rPr>
+              <a:rPr lang="ko-KR" altLang="en-US" sz="2400" dirty="0"/>
               <a:t>이외에 데이터베이스와 관련된 프로젝트가 있다면 적극적으로 참여할 생각입니다</a:t>
             </a:r>
             <a:r>
-              <a:rPr lang="en-US" altLang="ko-KR" sz="2400" dirty="0">
-                <a:latin typeface="+mn-ea"/>
-              </a:rPr>
+              <a:rPr lang="en-US" altLang="ko-KR" sz="2400" dirty="0"/>
               <a:t>.</a:t>
             </a:r>
-            <a:endParaRPr lang="ko-KR" altLang="en-US" sz="2400" dirty="0">
-              <a:latin typeface="+mn-ea"/>
-            </a:endParaRPr>
+            <a:endParaRPr lang="ko-KR" altLang="en-US" sz="2400" dirty="0"/>
           </a:p>
         </p:txBody>
       </p:sp>
@@ -16039,7 +16091,7 @@
         <a:font script="Jpan" typeface="HG丸ｺﾞｼｯｸM-PRO"/>
         <a:font script="Hang" typeface="맑은 고딕"/>
         <a:font script="Hans" typeface="黑体"/>
-        <a:font script="Hant" typeface="微軟正黑體"/>
+        <a:font script="Hant" typeface="Microsoft JhengHei"/>
         <a:font script="Arab" typeface="Tahoma"/>
         <a:font script="Hebr" typeface="Gisha"/>
         <a:font script="Thai" typeface="IrisUPC"/>
@@ -16073,7 +16125,7 @@
         <a:font script="Jpan" typeface="HG丸ｺﾞｼｯｸM-PRO"/>
         <a:font script="Hang" typeface="HY그래픽M"/>
         <a:font script="Hans" typeface="华文新魏"/>
-        <a:font script="Hant" typeface="微軟正黑體"/>
+        <a:font script="Hant" typeface="Microsoft JhengHei"/>
         <a:font script="Arab" typeface="Tahoma"/>
         <a:font script="Hebr" typeface="Gisha"/>
         <a:font script="Thai" typeface="IrisUPC"/>
@@ -16246,4 +16298,273 @@
   <a:objectDefaults/>
   <a:extraClrSchemeLst/>
 </a:theme>
+</file>
+
+<file path=ppt/theme/theme2.xml><?xml version="1.0" encoding="utf-8"?>
+<a:theme xmlns:a="http://schemas.openxmlformats.org/drawingml/2006/main" name="한컴오피스">
+  <a:themeElements>
+    <a:clrScheme name="한컴오피스">
+      <a:dk1>
+        <a:sysClr val="windowText" lastClr="000000"/>
+      </a:dk1>
+      <a:lt1>
+        <a:sysClr val="window" lastClr="FFFFFF"/>
+      </a:lt1>
+      <a:dk2>
+        <a:srgbClr val="3A3C84"/>
+      </a:dk2>
+      <a:lt2>
+        <a:srgbClr val="FAF3DB"/>
+      </a:lt2>
+      <a:accent1>
+        <a:srgbClr val="6182D6"/>
+      </a:accent1>
+      <a:accent2>
+        <a:srgbClr val="FF843A"/>
+      </a:accent2>
+      <a:accent3>
+        <a:srgbClr val="B2B2B2"/>
+      </a:accent3>
+      <a:accent4>
+        <a:srgbClr val="FFD700"/>
+      </a:accent4>
+      <a:accent5>
+        <a:srgbClr val="289B6E"/>
+      </a:accent5>
+      <a:accent6>
+        <a:srgbClr val="9D5CBB"/>
+      </a:accent6>
+      <a:hlink>
+        <a:srgbClr val="4A45FF"/>
+      </a:hlink>
+      <a:folHlink>
+        <a:srgbClr val="BE27BB"/>
+      </a:folHlink>
+    </a:clrScheme>
+    <a:fontScheme name="한컴오피스">
+      <a:majorFont>
+        <a:latin typeface="Calibri"/>
+        <a:ea typeface=""/>
+        <a:cs typeface=""/>
+        <a:font script="Jpan" typeface="MS PGothic"/>
+        <a:font script="Hang" typeface="맑은 고딕"/>
+        <a:font script="Hans" typeface="SimSun"/>
+        <a:font script="Hant" typeface="新細明體"/>
+        <a:font script="Arab" typeface="Times New Roman"/>
+        <a:font script="Hebr" typeface="Times New Roman"/>
+        <a:font script="Thai" typeface="Angsana New"/>
+        <a:font script="Beng" typeface="Vrinda"/>
+        <a:font script="Gujr" typeface="Shruti"/>
+        <a:font script="Khmr" typeface="MoolBoran"/>
+        <a:font script="Knda" typeface="Tunga"/>
+        <a:font script="Guru" typeface="Raavi"/>
+        <a:font script="Cans" typeface="Euphemia"/>
+        <a:font script="Cher" typeface="Plantagenet Cherokee"/>
+        <a:font script="Yiii" typeface="Microsoft Yi Baiti"/>
+        <a:font script="Tibt" typeface="Microsoft Himalaya"/>
+        <a:font script="Thaa" typeface="MV Boli"/>
+        <a:font script="Deva" typeface="Mangal"/>
+        <a:font script="Telu" typeface="Gautami"/>
+        <a:font script="Taml" typeface="Latha"/>
+        <a:font script="Syrc" typeface="Estrangelo Edessa"/>
+        <a:font script="Orya" typeface="Kalinga"/>
+        <a:font script="Mlym" typeface="Kartika"/>
+        <a:font script="Laoo" typeface="DokChampa"/>
+        <a:font script="Sinh" typeface="Iskoola Pota"/>
+        <a:font script="Mong" typeface="Mongolian Baiti"/>
+        <a:font script="Viet" typeface="Times New Roman"/>
+        <a:font script="Uigh" typeface="Microsoft Uighur"/>
+        <a:font script="Ethi" typeface="Leelawadee UI"/>
+        <a:font script="Mymr" typeface="Myanmar Text"/>
+      </a:majorFont>
+      <a:minorFont>
+        <a:latin typeface="Calibri"/>
+        <a:ea typeface=""/>
+        <a:cs typeface=""/>
+        <a:font script="Jpan" typeface="MS PGothic"/>
+        <a:font script="Hang" typeface="맑은 고딕"/>
+        <a:font script="Hans" typeface="SimSun"/>
+        <a:font script="Hant" typeface="新細明體"/>
+        <a:font script="Arab" typeface="Times New Roman"/>
+        <a:font script="Hebr" typeface="Times New Roman"/>
+        <a:font script="Thai" typeface="Angsana New"/>
+        <a:font script="Beng" typeface="Vrinda"/>
+        <a:font script="Gujr" typeface="Shruti"/>
+        <a:font script="Khmr" typeface="MoolBoran"/>
+        <a:font script="Knda" typeface="Tunga"/>
+        <a:font script="Guru" typeface="Raavi"/>
+        <a:font script="Cans" typeface="Euphemia"/>
+        <a:font script="Cher" typeface="Plantagenet Cherokee"/>
+        <a:font script="Yiii" typeface="Microsoft Yi Baiti"/>
+        <a:font script="Tibt" typeface="Microsoft Himalaya"/>
+        <a:font script="Thaa" typeface="MV Boli"/>
+        <a:font script="Deva" typeface="Mangal"/>
+        <a:font script="Telu" typeface="Gautami"/>
+        <a:font script="Taml" typeface="Latha"/>
+        <a:font script="Syrc" typeface="Estrangelo Edessa"/>
+        <a:font script="Orya" typeface="Kalinga"/>
+        <a:font script="Mlym" typeface="Kartika"/>
+        <a:font script="Laoo" typeface="DokChampa"/>
+        <a:font script="Sinh" typeface="Iskoola Pota"/>
+        <a:font script="Mong" typeface="Mongolian Baiti"/>
+        <a:font script="Viet" typeface="Times New Roman"/>
+        <a:font script="Uigh" typeface="Microsoft Uighur"/>
+        <a:font script="Ethi" typeface="Leelawadee UI"/>
+        <a:font script="Mymr" typeface="Myanmar Text"/>
+      </a:minorFont>
+    </a:fontScheme>
+    <a:fmtScheme name="한컴오피스">
+      <a:fillStyleLst>
+        <a:solidFill>
+          <a:schemeClr val="phClr"/>
+        </a:solidFill>
+        <a:gradFill rotWithShape="1">
+          <a:gsLst>
+            <a:gs pos="0">
+              <a:schemeClr val="phClr">
+                <a:tint val="50000"/>
+                <a:satMod val="300000"/>
+              </a:schemeClr>
+            </a:gs>
+            <a:gs pos="35000">
+              <a:schemeClr val="phClr">
+                <a:tint val="37000"/>
+                <a:satMod val="300000"/>
+              </a:schemeClr>
+            </a:gs>
+            <a:gs pos="100000">
+              <a:schemeClr val="phClr">
+                <a:tint val="15000"/>
+                <a:satMod val="350000"/>
+              </a:schemeClr>
+            </a:gs>
+          </a:gsLst>
+          <a:lin ang="16200000" scaled="1"/>
+        </a:gradFill>
+        <a:gradFill rotWithShape="1">
+          <a:gsLst>
+            <a:gs pos="0">
+              <a:schemeClr val="phClr">
+                <a:shade val="51000"/>
+                <a:satMod val="130000"/>
+              </a:schemeClr>
+            </a:gs>
+            <a:gs pos="80000">
+              <a:schemeClr val="phClr">
+                <a:shade val="93000"/>
+                <a:satMod val="130000"/>
+              </a:schemeClr>
+            </a:gs>
+            <a:gs pos="100000">
+              <a:schemeClr val="phClr">
+                <a:shade val="94000"/>
+                <a:satMod val="135000"/>
+              </a:schemeClr>
+            </a:gs>
+          </a:gsLst>
+          <a:lin ang="16200000" scaled="0"/>
+        </a:gradFill>
+      </a:fillStyleLst>
+      <a:lnStyleLst>
+        <a:ln w="12700" cap="flat" cmpd="sng" algn="ctr">
+          <a:solidFill>
+            <a:schemeClr val="phClr">
+              <a:satMod val="105000"/>
+            </a:schemeClr>
+          </a:solidFill>
+          <a:prstDash val="solid"/>
+        </a:ln>
+        <a:ln w="19050" cap="flat" cmpd="sng" algn="ctr">
+          <a:solidFill>
+            <a:schemeClr val="phClr"/>
+          </a:solidFill>
+          <a:prstDash val="solid"/>
+        </a:ln>
+        <a:ln w="38100" cap="flat" cmpd="sng" algn="ctr">
+          <a:solidFill>
+            <a:schemeClr val="phClr"/>
+          </a:solidFill>
+          <a:prstDash val="solid"/>
+        </a:ln>
+      </a:lnStyleLst>
+      <a:effectStyleLst>
+        <a:effectStyle>
+          <a:effectLst>
+            <a:outerShdw blurRad="38100" dist="25400" dir="5400000" rotWithShape="0">
+              <a:srgbClr val="000000">
+                <a:alpha val="75000"/>
+              </a:srgbClr>
+            </a:outerShdw>
+          </a:effectLst>
+        </a:effectStyle>
+        <a:effectStyle>
+          <a:effectLst>
+            <a:outerShdw blurRad="38100" dist="25400" dir="5400000" rotWithShape="0">
+              <a:srgbClr val="000000">
+                <a:alpha val="75000"/>
+              </a:srgbClr>
+            </a:outerShdw>
+          </a:effectLst>
+        </a:effectStyle>
+        <a:effectStyle>
+          <a:effectLst>
+            <a:reflection blurRad="12700" stA="26000" endPos="28000" dist="38100" dir="5400000" sy="-100000" rotWithShape="0"/>
+          </a:effectLst>
+        </a:effectStyle>
+      </a:effectStyleLst>
+      <a:bgFillStyleLst>
+        <a:solidFill>
+          <a:schemeClr val="phClr"/>
+        </a:solidFill>
+        <a:gradFill rotWithShape="1">
+          <a:gsLst>
+            <a:gs pos="0">
+              <a:schemeClr val="phClr">
+                <a:tint val="40000"/>
+                <a:satMod val="350000"/>
+              </a:schemeClr>
+            </a:gs>
+            <a:gs pos="40000">
+              <a:schemeClr val="phClr">
+                <a:tint val="45000"/>
+                <a:shade val="99000"/>
+                <a:satMod val="350000"/>
+              </a:schemeClr>
+            </a:gs>
+            <a:gs pos="100000">
+              <a:schemeClr val="phClr">
+                <a:shade val="20000"/>
+                <a:satMod val="255000"/>
+              </a:schemeClr>
+            </a:gs>
+          </a:gsLst>
+          <a:path path="circle">
+            <a:fillToRect l="50000" t="-80000" r="50000" b="180000"/>
+          </a:path>
+        </a:gradFill>
+        <a:gradFill rotWithShape="1">
+          <a:gsLst>
+            <a:gs pos="0">
+              <a:schemeClr val="phClr">
+                <a:tint val="80000"/>
+                <a:satMod val="300000"/>
+              </a:schemeClr>
+            </a:gs>
+            <a:gs pos="100000">
+              <a:schemeClr val="phClr">
+                <a:shade val="30000"/>
+                <a:satMod val="200000"/>
+              </a:schemeClr>
+            </a:gs>
+          </a:gsLst>
+          <a:path path="circle">
+            <a:fillToRect l="50000" t="50000" r="50000" b="50000"/>
+          </a:path>
+        </a:gradFill>
+      </a:bgFillStyleLst>
+    </a:fmtScheme>
+  </a:themeElements>
+  <a:objectDefaults/>
+  <a:extraClrSchemeLst/>
+</a:theme>
 </file>
--- a/발표 자료/REVERSE 발표 초안.pptx
+++ b/발표 자료/REVERSE 발표 초안.pptx
@@ -220,7 +220,7 @@
             <a:fld id="{E2B2BC9D-A816-4D0A-858B-1D023B3A8ACA}" type="datetime1">
               <a:rPr lang="ko-KR" altLang="en-US" smtClean="0"/>
               <a:pPr lvl="0"/>
-              <a:t>2024-11-21</a:t>
+              <a:t>2024-11-25</a:t>
             </a:fld>
             <a:endParaRPr lang="ko-KR" altLang="en-US"/>
           </a:p>
@@ -1347,7 +1347,7 @@
             <a:fld id="{1D8BD707-D9CF-40AE-B4C6-C98DA3205C09}" type="datetimeFigureOut">
               <a:rPr lang="en-US" smtClean="0"/>
               <a:pPr/>
-              <a:t>11/21/2024</a:t>
+              <a:t>11/25/2024</a:t>
             </a:fld>
             <a:endParaRPr lang="en-US"/>
           </a:p>
@@ -1785,7 +1785,7 @@
             <a:fld id="{1D8BD707-D9CF-40AE-B4C6-C98DA3205C09}" type="datetimeFigureOut">
               <a:rPr lang="en-US" smtClean="0"/>
               <a:pPr/>
-              <a:t>11/21/2024</a:t>
+              <a:t>11/25/2024</a:t>
             </a:fld>
             <a:endParaRPr lang="en-US"/>
           </a:p>
@@ -2838,7 +2838,7 @@
             <a:fld id="{1D8BD707-D9CF-40AE-B4C6-C98DA3205C09}" type="datetimeFigureOut">
               <a:rPr lang="en-US" smtClean="0"/>
               <a:pPr/>
-              <a:t>11/21/2024</a:t>
+              <a:t>11/25/2024</a:t>
             </a:fld>
             <a:endParaRPr lang="en-US"/>
           </a:p>
@@ -3030,7 +3030,7 @@
             <a:fld id="{1D8BD707-D9CF-40AE-B4C6-C98DA3205C09}" type="datetimeFigureOut">
               <a:rPr lang="en-US" smtClean="0"/>
               <a:pPr/>
-              <a:t>11/21/2024</a:t>
+              <a:t>11/25/2024</a:t>
             </a:fld>
             <a:endParaRPr lang="en-US"/>
           </a:p>
@@ -3554,7 +3554,7 @@
             <a:fld id="{1D8BD707-D9CF-40AE-B4C6-C98DA3205C09}" type="datetimeFigureOut">
               <a:rPr lang="en-US" smtClean="0"/>
               <a:pPr/>
-              <a:t>11/21/2024</a:t>
+              <a:t>11/25/2024</a:t>
             </a:fld>
             <a:endParaRPr lang="en-US"/>
           </a:p>
@@ -3993,7 +3993,7 @@
             <a:fld id="{1D8BD707-D9CF-40AE-B4C6-C98DA3205C09}" type="datetimeFigureOut">
               <a:rPr lang="en-US" smtClean="0"/>
               <a:pPr/>
-              <a:t>11/21/2024</a:t>
+              <a:t>11/25/2024</a:t>
             </a:fld>
             <a:endParaRPr lang="en-US"/>
           </a:p>
@@ -4689,7 +4689,7 @@
             <a:fld id="{1D8BD707-D9CF-40AE-B4C6-C98DA3205C09}" type="datetimeFigureOut">
               <a:rPr lang="en-US" smtClean="0"/>
               <a:pPr/>
-              <a:t>11/21/2024</a:t>
+              <a:t>11/25/2024</a:t>
             </a:fld>
             <a:endParaRPr lang="en-US"/>
           </a:p>
@@ -5030,7 +5030,7 @@
             <a:fld id="{1D8BD707-D9CF-40AE-B4C6-C98DA3205C09}" type="datetimeFigureOut">
               <a:rPr lang="en-US" smtClean="0"/>
               <a:pPr/>
-              <a:t>11/21/2024</a:t>
+              <a:t>11/25/2024</a:t>
             </a:fld>
             <a:endParaRPr lang="en-US"/>
           </a:p>
@@ -5311,7 +5311,7 @@
             <a:fld id="{1D8BD707-D9CF-40AE-B4C6-C98DA3205C09}" type="datetimeFigureOut">
               <a:rPr lang="en-US" smtClean="0"/>
               <a:pPr/>
-              <a:t>11/21/2024</a:t>
+              <a:t>11/25/2024</a:t>
             </a:fld>
             <a:endParaRPr lang="en-US"/>
           </a:p>
@@ -5965,7 +5965,7 @@
             <a:fld id="{1D8BD707-D9CF-40AE-B4C6-C98DA3205C09}" type="datetimeFigureOut">
               <a:rPr lang="en-US" smtClean="0"/>
               <a:pPr/>
-              <a:t>11/21/2024</a:t>
+              <a:t>11/25/2024</a:t>
             </a:fld>
             <a:endParaRPr lang="en-US"/>
           </a:p>
@@ -6392,7 +6392,7 @@
             <a:fld id="{1D8BD707-D9CF-40AE-B4C6-C98DA3205C09}" type="datetimeFigureOut">
               <a:rPr lang="en-US" smtClean="0"/>
               <a:pPr/>
-              <a:t>11/21/2024</a:t>
+              <a:t>11/25/2024</a:t>
             </a:fld>
             <a:endParaRPr lang="en-US"/>
           </a:p>
@@ -10688,7 +10688,7 @@
             <a:fld id="{1D8BD707-D9CF-40AE-B4C6-C98DA3205C09}" type="datetimeFigureOut">
               <a:rPr lang="en-US" smtClean="0"/>
               <a:pPr/>
-              <a:t>11/21/2024</a:t>
+              <a:t>11/25/2024</a:t>
             </a:fld>
             <a:endParaRPr lang="en-US"/>
           </a:p>
@@ -13788,7 +13788,7 @@
         </p:nvSpPr>
         <p:spPr>
           <a:xfrm>
-            <a:off x="1329691" y="5143500"/>
+            <a:off x="1219200" y="5143500"/>
             <a:ext cx="5463936" cy="3059804"/>
           </a:xfrm>
           <a:custGeom>
